--- a/1.Introduction/01-Introduction.pptx
+++ b/1.Introduction/01-Introduction.pptx
@@ -311,7 +311,7 @@
           <a:p>
             <a:fld id="{3EA744D9-3FBE-48D8-BF2A-85DF203E4D20}" type="datetimeFigureOut">
               <a:rPr lang="bg-BG" smtClean="0"/>
-              <a:t>12.10.2016 г.</a:t>
+              <a:t>6.12.2016 г.</a:t>
             </a:fld>
             <a:endParaRPr lang="bg-BG"/>
           </a:p>
@@ -481,7 +481,7 @@
           <a:p>
             <a:fld id="{3EA744D9-3FBE-48D8-BF2A-85DF203E4D20}" type="datetimeFigureOut">
               <a:rPr lang="bg-BG" smtClean="0"/>
-              <a:t>12.10.2016 г.</a:t>
+              <a:t>6.12.2016 г.</a:t>
             </a:fld>
             <a:endParaRPr lang="bg-BG"/>
           </a:p>
@@ -661,7 +661,7 @@
           <a:p>
             <a:fld id="{3EA744D9-3FBE-48D8-BF2A-85DF203E4D20}" type="datetimeFigureOut">
               <a:rPr lang="bg-BG" smtClean="0"/>
-              <a:t>12.10.2016 г.</a:t>
+              <a:t>6.12.2016 г.</a:t>
             </a:fld>
             <a:endParaRPr lang="bg-BG"/>
           </a:p>
@@ -831,7 +831,7 @@
           <a:p>
             <a:fld id="{3EA744D9-3FBE-48D8-BF2A-85DF203E4D20}" type="datetimeFigureOut">
               <a:rPr lang="bg-BG" smtClean="0"/>
-              <a:t>12.10.2016 г.</a:t>
+              <a:t>6.12.2016 г.</a:t>
             </a:fld>
             <a:endParaRPr lang="bg-BG"/>
           </a:p>
@@ -1077,7 +1077,7 @@
           <a:p>
             <a:fld id="{3EA744D9-3FBE-48D8-BF2A-85DF203E4D20}" type="datetimeFigureOut">
               <a:rPr lang="bg-BG" smtClean="0"/>
-              <a:t>12.10.2016 г.</a:t>
+              <a:t>6.12.2016 г.</a:t>
             </a:fld>
             <a:endParaRPr lang="bg-BG"/>
           </a:p>
@@ -1365,7 +1365,7 @@
           <a:p>
             <a:fld id="{3EA744D9-3FBE-48D8-BF2A-85DF203E4D20}" type="datetimeFigureOut">
               <a:rPr lang="bg-BG" smtClean="0"/>
-              <a:t>12.10.2016 г.</a:t>
+              <a:t>6.12.2016 г.</a:t>
             </a:fld>
             <a:endParaRPr lang="bg-BG"/>
           </a:p>
@@ -1787,7 +1787,7 @@
           <a:p>
             <a:fld id="{3EA744D9-3FBE-48D8-BF2A-85DF203E4D20}" type="datetimeFigureOut">
               <a:rPr lang="bg-BG" smtClean="0"/>
-              <a:t>12.10.2016 г.</a:t>
+              <a:t>6.12.2016 г.</a:t>
             </a:fld>
             <a:endParaRPr lang="bg-BG"/>
           </a:p>
@@ -1905,7 +1905,7 @@
           <a:p>
             <a:fld id="{3EA744D9-3FBE-48D8-BF2A-85DF203E4D20}" type="datetimeFigureOut">
               <a:rPr lang="bg-BG" smtClean="0"/>
-              <a:t>12.10.2016 г.</a:t>
+              <a:t>6.12.2016 г.</a:t>
             </a:fld>
             <a:endParaRPr lang="bg-BG"/>
           </a:p>
@@ -2000,7 +2000,7 @@
           <a:p>
             <a:fld id="{3EA744D9-3FBE-48D8-BF2A-85DF203E4D20}" type="datetimeFigureOut">
               <a:rPr lang="bg-BG" smtClean="0"/>
-              <a:t>12.10.2016 г.</a:t>
+              <a:t>6.12.2016 г.</a:t>
             </a:fld>
             <a:endParaRPr lang="bg-BG"/>
           </a:p>
@@ -2277,7 +2277,7 @@
           <a:p>
             <a:fld id="{3EA744D9-3FBE-48D8-BF2A-85DF203E4D20}" type="datetimeFigureOut">
               <a:rPr lang="bg-BG" smtClean="0"/>
-              <a:t>12.10.2016 г.</a:t>
+              <a:t>6.12.2016 г.</a:t>
             </a:fld>
             <a:endParaRPr lang="bg-BG"/>
           </a:p>
@@ -2530,7 +2530,7 @@
           <a:p>
             <a:fld id="{3EA744D9-3FBE-48D8-BF2A-85DF203E4D20}" type="datetimeFigureOut">
               <a:rPr lang="bg-BG" smtClean="0"/>
-              <a:t>12.10.2016 г.</a:t>
+              <a:t>6.12.2016 г.</a:t>
             </a:fld>
             <a:endParaRPr lang="bg-BG"/>
           </a:p>
@@ -2752,7 +2752,7 @@
           <a:p>
             <a:fld id="{3EA744D9-3FBE-48D8-BF2A-85DF203E4D20}" type="datetimeFigureOut">
               <a:rPr lang="bg-BG" smtClean="0"/>
-              <a:t>12.10.2016 г.</a:t>
+              <a:t>6.12.2016 г.</a:t>
             </a:fld>
             <a:endParaRPr lang="bg-BG"/>
           </a:p>
@@ -3994,12 +3994,20 @@
             <a:r>
               <a:rPr lang="en-US" dirty="0" smtClean="0">
                 <a:solidFill>
+                  <a:srgbClr val="FF0000"/>
+                </a:solidFill>
+              </a:rPr>
+              <a:t>Exercises</a:t>
+            </a:r>
+            <a:r>
+              <a:rPr lang="en-US" dirty="0" smtClean="0">
+                <a:solidFill>
                   <a:schemeClr val="bg1">
                     <a:lumMod val="95000"/>
                   </a:schemeClr>
                 </a:solidFill>
               </a:rPr>
-              <a:t>Exercises:</a:t>
+              <a:t>:</a:t>
             </a:r>
             <a:endParaRPr lang="en-US" dirty="0">
               <a:solidFill>
@@ -4351,12 +4359,20 @@
             <a:r>
               <a:rPr lang="en-US" dirty="0" smtClean="0">
                 <a:solidFill>
+                  <a:srgbClr val="FF0000"/>
+                </a:solidFill>
+              </a:rPr>
+              <a:t>Exercises</a:t>
+            </a:r>
+            <a:r>
+              <a:rPr lang="en-US" dirty="0" smtClean="0">
+                <a:solidFill>
                   <a:schemeClr val="bg1">
                     <a:lumMod val="95000"/>
                   </a:schemeClr>
                 </a:solidFill>
               </a:rPr>
-              <a:t>Exercises:</a:t>
+              <a:t>:</a:t>
             </a:r>
           </a:p>
           <a:p>
@@ -4578,12 +4594,20 @@
             <a:r>
               <a:rPr lang="en-US" dirty="0" smtClean="0">
                 <a:solidFill>
+                  <a:srgbClr val="FF0000"/>
+                </a:solidFill>
+              </a:rPr>
+              <a:t>Exercises/Homework</a:t>
+            </a:r>
+            <a:r>
+              <a:rPr lang="en-US" dirty="0" smtClean="0">
+                <a:solidFill>
                   <a:schemeClr val="bg1">
                     <a:lumMod val="95000"/>
                   </a:schemeClr>
                 </a:solidFill>
               </a:rPr>
-              <a:t>Exercises/Homework:</a:t>
+              <a:t>:</a:t>
             </a:r>
           </a:p>
           <a:p>
@@ -4832,7 +4856,7 @@
         </p:blipFill>
         <p:spPr bwMode="auto">
           <a:xfrm>
-            <a:off x="3505200" y="2057400"/>
+            <a:off x="2179422" y="2209800"/>
             <a:ext cx="2419082" cy="2419082"/>
           </a:xfrm>
           <a:prstGeom prst="rect">

--- a/1.Introduction/01-Introduction.pptx
+++ b/1.Introduction/01-Introduction.pptx
@@ -12,7 +12,6 @@
     <p:sldId id="259" r:id="rId6"/>
     <p:sldId id="264" r:id="rId7"/>
     <p:sldId id="262" r:id="rId8"/>
-    <p:sldId id="261" r:id="rId9"/>
   </p:sldIdLst>
   <p:sldSz cx="9144000" cy="6858000" type="screen4x3"/>
   <p:notesSz cx="6858000" cy="9144000"/>
@@ -4688,196 +4687,6 @@
     <p:extLst>
       <p:ext uri="{BB962C8B-B14F-4D97-AF65-F5344CB8AC3E}">
         <p14:creationId xmlns:p14="http://schemas.microsoft.com/office/powerpoint/2010/main" val="2910363039"/>
-      </p:ext>
-    </p:extLst>
-  </p:cSld>
-  <p:clrMapOvr>
-    <a:masterClrMapping/>
-  </p:clrMapOvr>
-  <p:timing>
-    <p:tnLst>
-      <p:par>
-        <p:cTn id="1" dur="indefinite" restart="never" nodeType="tmRoot"/>
-      </p:par>
-    </p:tnLst>
-  </p:timing>
-</p:sld>
-</file>
-
-<file path=ppt/slides/slide8.xml><?xml version="1.0" encoding="utf-8"?>
-<p:sld xmlns:a="http://schemas.openxmlformats.org/drawingml/2006/main" xmlns:r="http://schemas.openxmlformats.org/officeDocument/2006/relationships" xmlns:p="http://schemas.openxmlformats.org/presentationml/2006/main">
-  <p:cSld>
-    <p:spTree>
-      <p:nvGrpSpPr>
-        <p:cNvPr id="1" name=""/>
-        <p:cNvGrpSpPr/>
-        <p:nvPr/>
-      </p:nvGrpSpPr>
-      <p:grpSpPr>
-        <a:xfrm>
-          <a:off x="0" y="0"/>
-          <a:ext cx="0" cy="0"/>
-          <a:chOff x="0" y="0"/>
-          <a:chExt cx="0" cy="0"/>
-        </a:xfrm>
-      </p:grpSpPr>
-      <p:sp>
-        <p:nvSpPr>
-          <p:cNvPr id="2" name="Title 1"/>
-          <p:cNvSpPr>
-            <a:spLocks noGrp="1"/>
-          </p:cNvSpPr>
-          <p:nvPr>
-            <p:ph type="title"/>
-          </p:nvPr>
-        </p:nvSpPr>
-        <p:spPr>
-          <a:xfrm>
-            <a:off x="838200" y="685800"/>
-            <a:ext cx="8229600" cy="1143000"/>
-          </a:xfrm>
-        </p:spPr>
-        <p:txBody>
-          <a:bodyPr/>
-          <a:lstStyle/>
-          <a:p>
-            <a:pPr algn="l"/>
-            <a:r>
-              <a:rPr lang="bg-BG" dirty="0" smtClean="0">
-                <a:solidFill>
-                  <a:schemeClr val="accent6"/>
-                </a:solidFill>
-              </a:rPr>
-              <a:t>Въпроси</a:t>
-            </a:r>
-            <a:endParaRPr lang="bg-BG" dirty="0">
-              <a:solidFill>
-                <a:schemeClr val="accent6"/>
-              </a:solidFill>
-            </a:endParaRPr>
-          </a:p>
-        </p:txBody>
-      </p:sp>
-      <p:sp>
-        <p:nvSpPr>
-          <p:cNvPr id="3" name="Content Placeholder 2"/>
-          <p:cNvSpPr>
-            <a:spLocks noGrp="1"/>
-          </p:cNvSpPr>
-          <p:nvPr>
-            <p:ph idx="1"/>
-          </p:nvPr>
-        </p:nvSpPr>
-        <p:spPr>
-          <a:xfrm>
-            <a:off x="762000" y="1676400"/>
-            <a:ext cx="7620000" cy="4525963"/>
-          </a:xfrm>
-        </p:spPr>
-        <p:txBody>
-          <a:bodyPr>
-            <a:normAutofit/>
-          </a:bodyPr>
-          <a:lstStyle/>
-          <a:p>
-            <a:pPr>
-              <a:buFont typeface="Wingdings" panose="05000000000000000000" pitchFamily="2" charset="2"/>
-              <a:buChar char="§"/>
-            </a:pPr>
-            <a:endParaRPr lang="en-US" dirty="0">
-              <a:solidFill>
-                <a:schemeClr val="bg1">
-                  <a:lumMod val="95000"/>
-                </a:schemeClr>
-              </a:solidFill>
-            </a:endParaRPr>
-          </a:p>
-          <a:p>
-            <a:pPr>
-              <a:buFont typeface="Wingdings" panose="05000000000000000000" pitchFamily="2" charset="2"/>
-              <a:buChar char="§"/>
-            </a:pPr>
-            <a:endParaRPr lang="en-US" dirty="0">
-              <a:solidFill>
-                <a:schemeClr val="bg1">
-                  <a:lumMod val="95000"/>
-                </a:schemeClr>
-              </a:solidFill>
-            </a:endParaRPr>
-          </a:p>
-          <a:p>
-            <a:pPr>
-              <a:buFont typeface="Wingdings" panose="05000000000000000000" pitchFamily="2" charset="2"/>
-              <a:buChar char="§"/>
-            </a:pPr>
-            <a:endParaRPr lang="en-US" dirty="0">
-              <a:solidFill>
-                <a:schemeClr val="bg1">
-                  <a:lumMod val="95000"/>
-                </a:schemeClr>
-              </a:solidFill>
-            </a:endParaRPr>
-          </a:p>
-          <a:p>
-            <a:pPr>
-              <a:buFont typeface="Wingdings" panose="05000000000000000000" pitchFamily="2" charset="2"/>
-              <a:buChar char="§"/>
-            </a:pPr>
-            <a:endParaRPr lang="en-US" dirty="0">
-              <a:solidFill>
-                <a:schemeClr val="bg1">
-                  <a:lumMod val="95000"/>
-                </a:schemeClr>
-              </a:solidFill>
-            </a:endParaRPr>
-          </a:p>
-        </p:txBody>
-      </p:sp>
-      <p:pic>
-        <p:nvPicPr>
-          <p:cNvPr id="1027" name="Picture 3" descr="C:\Users\Lazar\Desktop\01-red-question-mark1.jpg"/>
-          <p:cNvPicPr>
-            <a:picLocks noChangeAspect="1" noChangeArrowheads="1"/>
-          </p:cNvPicPr>
-          <p:nvPr/>
-        </p:nvPicPr>
-        <p:blipFill>
-          <a:blip r:embed="rId2" cstate="print">
-            <a:extLst>
-              <a:ext uri="{28A0092B-C50C-407E-A947-70E740481C1C}">
-                <a14:useLocalDpi xmlns:a14="http://schemas.microsoft.com/office/drawing/2010/main" val="0"/>
-              </a:ext>
-            </a:extLst>
-          </a:blip>
-          <a:srcRect/>
-          <a:stretch>
-            <a:fillRect/>
-          </a:stretch>
-        </p:blipFill>
-        <p:spPr bwMode="auto">
-          <a:xfrm>
-            <a:off x="2179422" y="2209800"/>
-            <a:ext cx="2419082" cy="2419082"/>
-          </a:xfrm>
-          <a:prstGeom prst="rect">
-            <a:avLst/>
-          </a:prstGeom>
-          <a:noFill/>
-          <a:extLst>
-            <a:ext uri="{909E8E84-426E-40DD-AFC4-6F175D3DCCD1}">
-              <a14:hiddenFill xmlns:a14="http://schemas.microsoft.com/office/drawing/2010/main">
-                <a:solidFill>
-                  <a:srgbClr val="FFFFFF"/>
-                </a:solidFill>
-              </a14:hiddenFill>
-            </a:ext>
-          </a:extLst>
-        </p:spPr>
-      </p:pic>
-    </p:spTree>
-    <p:extLst>
-      <p:ext uri="{BB962C8B-B14F-4D97-AF65-F5344CB8AC3E}">
-        <p14:creationId xmlns:p14="http://schemas.microsoft.com/office/powerpoint/2010/main" val="3327685122"/>
       </p:ext>
     </p:extLst>
   </p:cSld>

--- a/1.Introduction/01-Introduction.pptx
+++ b/1.Introduction/01-Introduction.pptx
@@ -310,7 +310,7 @@
           <a:p>
             <a:fld id="{3EA744D9-3FBE-48D8-BF2A-85DF203E4D20}" type="datetimeFigureOut">
               <a:rPr lang="bg-BG" smtClean="0"/>
-              <a:t>6.12.2016 г.</a:t>
+              <a:t>20.03.17 г.</a:t>
             </a:fld>
             <a:endParaRPr lang="bg-BG"/>
           </a:p>
@@ -480,7 +480,7 @@
           <a:p>
             <a:fld id="{3EA744D9-3FBE-48D8-BF2A-85DF203E4D20}" type="datetimeFigureOut">
               <a:rPr lang="bg-BG" smtClean="0"/>
-              <a:t>6.12.2016 г.</a:t>
+              <a:t>20.03.17 г.</a:t>
             </a:fld>
             <a:endParaRPr lang="bg-BG"/>
           </a:p>
@@ -660,7 +660,7 @@
           <a:p>
             <a:fld id="{3EA744D9-3FBE-48D8-BF2A-85DF203E4D20}" type="datetimeFigureOut">
               <a:rPr lang="bg-BG" smtClean="0"/>
-              <a:t>6.12.2016 г.</a:t>
+              <a:t>20.03.17 г.</a:t>
             </a:fld>
             <a:endParaRPr lang="bg-BG"/>
           </a:p>
@@ -830,7 +830,7 @@
           <a:p>
             <a:fld id="{3EA744D9-3FBE-48D8-BF2A-85DF203E4D20}" type="datetimeFigureOut">
               <a:rPr lang="bg-BG" smtClean="0"/>
-              <a:t>6.12.2016 г.</a:t>
+              <a:t>20.03.17 г.</a:t>
             </a:fld>
             <a:endParaRPr lang="bg-BG"/>
           </a:p>
@@ -1076,7 +1076,7 @@
           <a:p>
             <a:fld id="{3EA744D9-3FBE-48D8-BF2A-85DF203E4D20}" type="datetimeFigureOut">
               <a:rPr lang="bg-BG" smtClean="0"/>
-              <a:t>6.12.2016 г.</a:t>
+              <a:t>20.03.17 г.</a:t>
             </a:fld>
             <a:endParaRPr lang="bg-BG"/>
           </a:p>
@@ -1364,7 +1364,7 @@
           <a:p>
             <a:fld id="{3EA744D9-3FBE-48D8-BF2A-85DF203E4D20}" type="datetimeFigureOut">
               <a:rPr lang="bg-BG" smtClean="0"/>
-              <a:t>6.12.2016 г.</a:t>
+              <a:t>20.03.17 г.</a:t>
             </a:fld>
             <a:endParaRPr lang="bg-BG"/>
           </a:p>
@@ -1786,7 +1786,7 @@
           <a:p>
             <a:fld id="{3EA744D9-3FBE-48D8-BF2A-85DF203E4D20}" type="datetimeFigureOut">
               <a:rPr lang="bg-BG" smtClean="0"/>
-              <a:t>6.12.2016 г.</a:t>
+              <a:t>20.03.17 г.</a:t>
             </a:fld>
             <a:endParaRPr lang="bg-BG"/>
           </a:p>
@@ -1904,7 +1904,7 @@
           <a:p>
             <a:fld id="{3EA744D9-3FBE-48D8-BF2A-85DF203E4D20}" type="datetimeFigureOut">
               <a:rPr lang="bg-BG" smtClean="0"/>
-              <a:t>6.12.2016 г.</a:t>
+              <a:t>20.03.17 г.</a:t>
             </a:fld>
             <a:endParaRPr lang="bg-BG"/>
           </a:p>
@@ -1999,7 +1999,7 @@
           <a:p>
             <a:fld id="{3EA744D9-3FBE-48D8-BF2A-85DF203E4D20}" type="datetimeFigureOut">
               <a:rPr lang="bg-BG" smtClean="0"/>
-              <a:t>6.12.2016 г.</a:t>
+              <a:t>20.03.17 г.</a:t>
             </a:fld>
             <a:endParaRPr lang="bg-BG"/>
           </a:p>
@@ -2276,7 +2276,7 @@
           <a:p>
             <a:fld id="{3EA744D9-3FBE-48D8-BF2A-85DF203E4D20}" type="datetimeFigureOut">
               <a:rPr lang="bg-BG" smtClean="0"/>
-              <a:t>6.12.2016 г.</a:t>
+              <a:t>20.03.17 г.</a:t>
             </a:fld>
             <a:endParaRPr lang="bg-BG"/>
           </a:p>
@@ -2529,7 +2529,7 @@
           <a:p>
             <a:fld id="{3EA744D9-3FBE-48D8-BF2A-85DF203E4D20}" type="datetimeFigureOut">
               <a:rPr lang="bg-BG" smtClean="0"/>
-              <a:t>6.12.2016 г.</a:t>
+              <a:t>20.03.17 г.</a:t>
             </a:fld>
             <a:endParaRPr lang="bg-BG"/>
           </a:p>
@@ -2751,7 +2751,7 @@
           <a:p>
             <a:fld id="{3EA744D9-3FBE-48D8-BF2A-85DF203E4D20}" type="datetimeFigureOut">
               <a:rPr lang="bg-BG" smtClean="0"/>
-              <a:t>6.12.2016 г.</a:t>
+              <a:t>20.03.17 г.</a:t>
             </a:fld>
             <a:endParaRPr lang="bg-BG"/>
           </a:p>
@@ -3362,7 +3362,7 @@
         <p:spPr>
           <a:xfrm>
             <a:off x="3072606" y="2387600"/>
-            <a:ext cx="2033588" cy="2133601"/>
+            <a:ext cx="2261394" cy="2133601"/>
           </a:xfrm>
           <a:prstGeom prst="rect">
             <a:avLst/>
@@ -3391,8 +3391,8 @@
         </p:blipFill>
         <p:spPr>
           <a:xfrm>
-            <a:off x="5334000" y="2387600"/>
-            <a:ext cx="3086100" cy="2133601"/>
+            <a:off x="5943600" y="2387600"/>
+            <a:ext cx="2476500" cy="2133601"/>
           </a:xfrm>
           <a:prstGeom prst="rect">
             <a:avLst/>
@@ -3441,7 +3441,7 @@
         </p:nvSpPr>
         <p:spPr>
           <a:xfrm>
-            <a:off x="838200" y="685800"/>
+            <a:off x="767793" y="685800"/>
             <a:ext cx="8229600" cy="1143000"/>
           </a:xfrm>
         </p:spPr>
@@ -3453,12 +3453,81 @@
           <a:p>
             <a:pPr algn="l"/>
             <a:r>
+              <a:rPr lang="en-US" dirty="0">
+                <a:solidFill>
+                  <a:schemeClr val="accent6"/>
+                </a:solidFill>
+              </a:rPr>
+              <a:t/>
+            </a:r>
+            <a:br>
+              <a:rPr lang="en-US" dirty="0">
+                <a:solidFill>
+                  <a:schemeClr val="accent6"/>
+                </a:solidFill>
+              </a:rPr>
+            </a:br>
+            <a:r>
               <a:rPr lang="en-US" dirty="0" smtClean="0">
                 <a:solidFill>
                   <a:schemeClr val="accent6"/>
                 </a:solidFill>
               </a:rPr>
-              <a:t>Virtualization =&gt; Oracle Virtual box</a:t>
+              <a:t/>
+            </a:r>
+            <a:br>
+              <a:rPr lang="en-US" dirty="0" smtClean="0">
+                <a:solidFill>
+                  <a:schemeClr val="accent6"/>
+                </a:solidFill>
+              </a:rPr>
+            </a:br>
+            <a:r>
+              <a:rPr lang="en-US" dirty="0" smtClean="0">
+                <a:solidFill>
+                  <a:schemeClr val="accent6"/>
+                </a:solidFill>
+              </a:rPr>
+              <a:t>Hypervisor =&gt; software that creates and runs virtual machines.</a:t>
+            </a:r>
+            <a:r>
+              <a:rPr lang="en-US" dirty="0" smtClean="0">
+                <a:solidFill>
+                  <a:schemeClr val="accent6"/>
+                </a:solidFill>
+              </a:rPr>
+              <a:t/>
+            </a:r>
+            <a:br>
+              <a:rPr lang="en-US" dirty="0" smtClean="0">
+                <a:solidFill>
+                  <a:schemeClr val="accent6"/>
+                </a:solidFill>
+              </a:rPr>
+            </a:br>
+            <a:r>
+              <a:rPr lang="en-US" dirty="0" smtClean="0">
+                <a:solidFill>
+                  <a:schemeClr val="accent6"/>
+                </a:solidFill>
+              </a:rPr>
+              <a:t>Virtualization </a:t>
+            </a:r>
+            <a:r>
+              <a:rPr lang="en-US" dirty="0" smtClean="0">
+                <a:solidFill>
+                  <a:schemeClr val="accent6"/>
+                </a:solidFill>
+              </a:rPr>
+              <a:t>=&gt; Oracle Virtual </a:t>
+            </a:r>
+            <a:r>
+              <a:rPr lang="en-US" dirty="0" smtClean="0">
+                <a:solidFill>
+                  <a:schemeClr val="accent6"/>
+                </a:solidFill>
+              </a:rPr>
+              <a:t>box</a:t>
             </a:r>
             <a:r>
               <a:rPr lang="en-US" dirty="0">
@@ -3512,6 +3581,18 @@
             <a:normAutofit/>
           </a:bodyPr>
           <a:lstStyle/>
+          <a:p>
+            <a:pPr marL="0" indent="0">
+              <a:buNone/>
+            </a:pPr>
+            <a:endParaRPr lang="en-US" dirty="0" smtClean="0">
+              <a:solidFill>
+                <a:schemeClr val="bg1">
+                  <a:lumMod val="95000"/>
+                </a:schemeClr>
+              </a:solidFill>
+            </a:endParaRPr>
+          </a:p>
           <a:p>
             <a:pPr marL="0" indent="0">
               <a:buNone/>
@@ -3572,7 +3653,7 @@
         </p:blipFill>
         <p:spPr>
           <a:xfrm>
-            <a:off x="5715000" y="2971800"/>
+            <a:off x="5515822" y="3124200"/>
             <a:ext cx="2438400" cy="2438400"/>
           </a:xfrm>
           <a:prstGeom prst="rect">
@@ -3602,7 +3683,7 @@
         </p:blipFill>
         <p:spPr>
           <a:xfrm>
-            <a:off x="762000" y="2971800"/>
+            <a:off x="738851" y="3276600"/>
             <a:ext cx="4120593" cy="2590300"/>
           </a:xfrm>
           <a:prstGeom prst="rect">
@@ -3710,8 +3791,8 @@
         </p:blipFill>
         <p:spPr>
           <a:xfrm>
-            <a:off x="914400" y="1816100"/>
-            <a:ext cx="3733800" cy="4978400"/>
+            <a:off x="990601" y="1993056"/>
+            <a:ext cx="3429000" cy="4268044"/>
           </a:xfrm>
         </p:spPr>
       </p:pic>
@@ -3996,23 +4077,11 @@
                   <a:srgbClr val="FF0000"/>
                 </a:solidFill>
               </a:rPr>
-              <a:t>Exercises</a:t>
-            </a:r>
-            <a:r>
-              <a:rPr lang="en-US" dirty="0" smtClean="0">
-                <a:solidFill>
-                  <a:schemeClr val="bg1">
-                    <a:lumMod val="95000"/>
-                  </a:schemeClr>
-                </a:solidFill>
-              </a:rPr>
-              <a:t>:</a:t>
+              <a:t>Exercises:</a:t>
             </a:r>
             <a:endParaRPr lang="en-US" dirty="0">
               <a:solidFill>
-                <a:schemeClr val="bg1">
-                  <a:lumMod val="95000"/>
-                </a:schemeClr>
+                <a:srgbClr val="FF0000"/>
               </a:solidFill>
             </a:endParaRPr>
           </a:p>
@@ -4361,8 +4430,13 @@
                   <a:srgbClr val="FF0000"/>
                 </a:solidFill>
               </a:rPr>
-              <a:t>Exercises</a:t>
-            </a:r>
+              <a:t>Exercises:</a:t>
+            </a:r>
+          </a:p>
+          <a:p>
+            <a:pPr marL="514350" indent="-514350">
+              <a:buAutoNum type="arabicPeriod"/>
+            </a:pPr>
             <a:r>
               <a:rPr lang="en-US" dirty="0" smtClean="0">
                 <a:solidFill>
@@ -4371,7 +4445,7 @@
                   </a:schemeClr>
                 </a:solidFill>
               </a:rPr>
-              <a:t>:</a:t>
+              <a:t>Print your PATH environment variable</a:t>
             </a:r>
           </a:p>
           <a:p>
@@ -4386,13 +4460,8 @@
                   </a:schemeClr>
                 </a:solidFill>
               </a:rPr>
-              <a:t>Print your PATH environment variable</a:t>
-            </a:r>
-          </a:p>
-          <a:p>
-            <a:pPr marL="514350" indent="-514350">
-              <a:buAutoNum type="arabicPeriod"/>
-            </a:pPr>
+              <a:t>Try to explain what do you think is its </a:t>
+            </a:r>
             <a:r>
               <a:rPr lang="en-US" dirty="0" smtClean="0">
                 <a:solidFill>
@@ -4401,13 +4470,8 @@
                   </a:schemeClr>
                 </a:solidFill>
               </a:rPr>
-              <a:t>Try to explain what do you think is its meaning ( Google search it of course ).</a:t>
-            </a:r>
-          </a:p>
-          <a:p>
-            <a:pPr marL="0" indent="0">
-              <a:buNone/>
-            </a:pPr>
+              <a:t>meaning, google search if necessary.</a:t>
+            </a:r>
             <a:endParaRPr lang="en-US" dirty="0" smtClean="0">
               <a:solidFill>
                 <a:schemeClr val="bg1">
@@ -4596,17 +4660,7 @@
                   <a:srgbClr val="FF0000"/>
                 </a:solidFill>
               </a:rPr>
-              <a:t>Exercises/Homework</a:t>
-            </a:r>
-            <a:r>
-              <a:rPr lang="en-US" dirty="0" smtClean="0">
-                <a:solidFill>
-                  <a:schemeClr val="bg1">
-                    <a:lumMod val="95000"/>
-                  </a:schemeClr>
-                </a:solidFill>
-              </a:rPr>
-              <a:t>:</a:t>
+              <a:t>Exercises/Homework:</a:t>
             </a:r>
           </a:p>
           <a:p>

--- a/1.Introduction/01-Introduction.pptx
+++ b/1.Introduction/01-Introduction.pptx
@@ -5,13 +5,16 @@
     <p:sldMasterId id="2147483648" r:id="rId1"/>
   </p:sldMasterIdLst>
   <p:sldIdLst>
-    <p:sldId id="256" r:id="rId2"/>
-    <p:sldId id="266" r:id="rId3"/>
-    <p:sldId id="258" r:id="rId4"/>
-    <p:sldId id="257" r:id="rId5"/>
-    <p:sldId id="259" r:id="rId6"/>
-    <p:sldId id="264" r:id="rId7"/>
-    <p:sldId id="262" r:id="rId8"/>
+    <p:sldId id="266" r:id="rId2"/>
+    <p:sldId id="267" r:id="rId3"/>
+    <p:sldId id="268" r:id="rId4"/>
+    <p:sldId id="269" r:id="rId5"/>
+    <p:sldId id="256" r:id="rId6"/>
+    <p:sldId id="258" r:id="rId7"/>
+    <p:sldId id="257" r:id="rId8"/>
+    <p:sldId id="259" r:id="rId9"/>
+    <p:sldId id="264" r:id="rId10"/>
+    <p:sldId id="262" r:id="rId11"/>
   </p:sldIdLst>
   <p:sldSz cx="9144000" cy="6858000" type="screen4x3"/>
   <p:notesSz cx="6858000" cy="9144000"/>
@@ -310,7 +313,7 @@
           <a:p>
             <a:fld id="{3EA744D9-3FBE-48D8-BF2A-85DF203E4D20}" type="datetimeFigureOut">
               <a:rPr lang="bg-BG" smtClean="0"/>
-              <a:t>20.03.17 г.</a:t>
+              <a:t>3.4.2017 г.</a:t>
             </a:fld>
             <a:endParaRPr lang="bg-BG"/>
           </a:p>
@@ -480,7 +483,7 @@
           <a:p>
             <a:fld id="{3EA744D9-3FBE-48D8-BF2A-85DF203E4D20}" type="datetimeFigureOut">
               <a:rPr lang="bg-BG" smtClean="0"/>
-              <a:t>20.03.17 г.</a:t>
+              <a:t>3.4.2017 г.</a:t>
             </a:fld>
             <a:endParaRPr lang="bg-BG"/>
           </a:p>
@@ -660,7 +663,7 @@
           <a:p>
             <a:fld id="{3EA744D9-3FBE-48D8-BF2A-85DF203E4D20}" type="datetimeFigureOut">
               <a:rPr lang="bg-BG" smtClean="0"/>
-              <a:t>20.03.17 г.</a:t>
+              <a:t>3.4.2017 г.</a:t>
             </a:fld>
             <a:endParaRPr lang="bg-BG"/>
           </a:p>
@@ -830,7 +833,7 @@
           <a:p>
             <a:fld id="{3EA744D9-3FBE-48D8-BF2A-85DF203E4D20}" type="datetimeFigureOut">
               <a:rPr lang="bg-BG" smtClean="0"/>
-              <a:t>20.03.17 г.</a:t>
+              <a:t>3.4.2017 г.</a:t>
             </a:fld>
             <a:endParaRPr lang="bg-BG"/>
           </a:p>
@@ -1076,7 +1079,7 @@
           <a:p>
             <a:fld id="{3EA744D9-3FBE-48D8-BF2A-85DF203E4D20}" type="datetimeFigureOut">
               <a:rPr lang="bg-BG" smtClean="0"/>
-              <a:t>20.03.17 г.</a:t>
+              <a:t>3.4.2017 г.</a:t>
             </a:fld>
             <a:endParaRPr lang="bg-BG"/>
           </a:p>
@@ -1364,7 +1367,7 @@
           <a:p>
             <a:fld id="{3EA744D9-3FBE-48D8-BF2A-85DF203E4D20}" type="datetimeFigureOut">
               <a:rPr lang="bg-BG" smtClean="0"/>
-              <a:t>20.03.17 г.</a:t>
+              <a:t>3.4.2017 г.</a:t>
             </a:fld>
             <a:endParaRPr lang="bg-BG"/>
           </a:p>
@@ -1786,7 +1789,7 @@
           <a:p>
             <a:fld id="{3EA744D9-3FBE-48D8-BF2A-85DF203E4D20}" type="datetimeFigureOut">
               <a:rPr lang="bg-BG" smtClean="0"/>
-              <a:t>20.03.17 г.</a:t>
+              <a:t>3.4.2017 г.</a:t>
             </a:fld>
             <a:endParaRPr lang="bg-BG"/>
           </a:p>
@@ -1904,7 +1907,7 @@
           <a:p>
             <a:fld id="{3EA744D9-3FBE-48D8-BF2A-85DF203E4D20}" type="datetimeFigureOut">
               <a:rPr lang="bg-BG" smtClean="0"/>
-              <a:t>20.03.17 г.</a:t>
+              <a:t>3.4.2017 г.</a:t>
             </a:fld>
             <a:endParaRPr lang="bg-BG"/>
           </a:p>
@@ -1999,7 +2002,7 @@
           <a:p>
             <a:fld id="{3EA744D9-3FBE-48D8-BF2A-85DF203E4D20}" type="datetimeFigureOut">
               <a:rPr lang="bg-BG" smtClean="0"/>
-              <a:t>20.03.17 г.</a:t>
+              <a:t>3.4.2017 г.</a:t>
             </a:fld>
             <a:endParaRPr lang="bg-BG"/>
           </a:p>
@@ -2276,7 +2279,7 @@
           <a:p>
             <a:fld id="{3EA744D9-3FBE-48D8-BF2A-85DF203E4D20}" type="datetimeFigureOut">
               <a:rPr lang="bg-BG" smtClean="0"/>
-              <a:t>20.03.17 г.</a:t>
+              <a:t>3.4.2017 г.</a:t>
             </a:fld>
             <a:endParaRPr lang="bg-BG"/>
           </a:p>
@@ -2529,7 +2532,7 @@
           <a:p>
             <a:fld id="{3EA744D9-3FBE-48D8-BF2A-85DF203E4D20}" type="datetimeFigureOut">
               <a:rPr lang="bg-BG" smtClean="0"/>
-              <a:t>20.03.17 г.</a:t>
+              <a:t>3.4.2017 г.</a:t>
             </a:fld>
             <a:endParaRPr lang="bg-BG"/>
           </a:p>
@@ -2751,7 +2754,7 @@
           <a:p>
             <a:fld id="{3EA744D9-3FBE-48D8-BF2A-85DF203E4D20}" type="datetimeFigureOut">
               <a:rPr lang="bg-BG" smtClean="0"/>
-              <a:t>20.03.17 г.</a:t>
+              <a:t>3.4.2017 г.</a:t>
             </a:fld>
             <a:endParaRPr lang="bg-BG"/>
           </a:p>
@@ -3133,159 +3136,6 @@
             <a:spLocks noGrp="1"/>
           </p:cNvSpPr>
           <p:nvPr>
-            <p:ph type="ctrTitle"/>
-          </p:nvPr>
-        </p:nvSpPr>
-        <p:spPr/>
-        <p:txBody>
-          <a:bodyPr>
-            <a:normAutofit/>
-          </a:bodyPr>
-          <a:lstStyle/>
-          <a:p>
-            <a:endParaRPr lang="bg-BG" dirty="0">
-              <a:solidFill>
-                <a:schemeClr val="accent6"/>
-              </a:solidFill>
-            </a:endParaRPr>
-          </a:p>
-        </p:txBody>
-      </p:sp>
-      <p:sp>
-        <p:nvSpPr>
-          <p:cNvPr id="3" name="Subtitle 2"/>
-          <p:cNvSpPr>
-            <a:spLocks noGrp="1"/>
-          </p:cNvSpPr>
-          <p:nvPr>
-            <p:ph type="subTitle" idx="1"/>
-          </p:nvPr>
-        </p:nvSpPr>
-        <p:spPr/>
-        <p:txBody>
-          <a:bodyPr/>
-          <a:lstStyle/>
-          <a:p>
-            <a:endParaRPr lang="bg-BG" dirty="0"/>
-          </a:p>
-        </p:txBody>
-      </p:sp>
-      <p:pic>
-        <p:nvPicPr>
-          <p:cNvPr id="4" name="Picture 3"/>
-          <p:cNvPicPr>
-            <a:picLocks noChangeAspect="1"/>
-          </p:cNvPicPr>
-          <p:nvPr/>
-        </p:nvPicPr>
-        <p:blipFill>
-          <a:blip r:embed="rId2">
-            <a:extLst>
-              <a:ext uri="{28A0092B-C50C-407E-A947-70E740481C1C}">
-                <a14:useLocalDpi xmlns:a14="http://schemas.microsoft.com/office/drawing/2010/main" val="0"/>
-              </a:ext>
-            </a:extLst>
-          </a:blip>
-          <a:stretch>
-            <a:fillRect/>
-          </a:stretch>
-        </p:blipFill>
-        <p:spPr>
-          <a:xfrm>
-            <a:off x="685800" y="2130425"/>
-            <a:ext cx="8001000" cy="4194049"/>
-          </a:xfrm>
-          <a:prstGeom prst="rect">
-            <a:avLst/>
-          </a:prstGeom>
-        </p:spPr>
-      </p:pic>
-      <p:sp>
-        <p:nvSpPr>
-          <p:cNvPr id="5" name="TextBox 4"/>
-          <p:cNvSpPr txBox="1"/>
-          <p:nvPr/>
-        </p:nvSpPr>
-        <p:spPr>
-          <a:xfrm>
-            <a:off x="3124200" y="838200"/>
-            <a:ext cx="6705600" cy="646331"/>
-          </a:xfrm>
-          <a:prstGeom prst="rect">
-            <a:avLst/>
-          </a:prstGeom>
-          <a:noFill/>
-        </p:spPr>
-        <p:txBody>
-          <a:bodyPr wrap="square" rtlCol="0">
-            <a:spAutoFit/>
-          </a:bodyPr>
-          <a:lstStyle/>
-          <a:p>
-            <a:r>
-              <a:rPr lang="en-US" sz="3600" dirty="0" smtClean="0">
-                <a:ln w="0"/>
-                <a:solidFill>
-                  <a:schemeClr val="accent1"/>
-                </a:solidFill>
-                <a:effectLst>
-                  <a:outerShdw blurRad="38100" dist="25400" dir="5400000" algn="ctr" rotWithShape="0">
-                    <a:srgbClr val="6E747A">
-                      <a:alpha val="43000"/>
-                    </a:srgbClr>
-                  </a:outerShdw>
-                </a:effectLst>
-              </a:rPr>
-              <a:t>Linux System Administration</a:t>
-            </a:r>
-            <a:endParaRPr lang="en-US" sz="3600" dirty="0"/>
-          </a:p>
-        </p:txBody>
-      </p:sp>
-    </p:spTree>
-    <p:extLst>
-      <p:ext uri="{BB962C8B-B14F-4D97-AF65-F5344CB8AC3E}">
-        <p14:creationId xmlns:p14="http://schemas.microsoft.com/office/powerpoint/2010/main" val="2032689186"/>
-      </p:ext>
-    </p:extLst>
-  </p:cSld>
-  <p:clrMapOvr>
-    <a:masterClrMapping/>
-  </p:clrMapOvr>
-  <p:timing>
-    <p:tnLst>
-      <p:par>
-        <p:cTn id="1" dur="indefinite" restart="never" nodeType="tmRoot"/>
-      </p:par>
-    </p:tnLst>
-  </p:timing>
-</p:sld>
-</file>
-
-<file path=ppt/slides/slide2.xml><?xml version="1.0" encoding="utf-8"?>
-<p:sld xmlns:a="http://schemas.openxmlformats.org/drawingml/2006/main" xmlns:r="http://schemas.openxmlformats.org/officeDocument/2006/relationships" xmlns:p="http://schemas.openxmlformats.org/presentationml/2006/main">
-  <p:cSld>
-    <p:spTree>
-      <p:nvGrpSpPr>
-        <p:cNvPr id="1" name=""/>
-        <p:cNvGrpSpPr/>
-        <p:nvPr/>
-      </p:nvGrpSpPr>
-      <p:grpSpPr>
-        <a:xfrm>
-          <a:off x="0" y="0"/>
-          <a:ext cx="0" cy="0"/>
-          <a:chOff x="0" y="0"/>
-          <a:chExt cx="0" cy="0"/>
-        </a:xfrm>
-      </p:grpSpPr>
-      <p:sp>
-        <p:nvSpPr>
-          <p:cNvPr id="2" name="Title 1"/>
-          <p:cNvSpPr>
-            <a:spLocks noGrp="1"/>
-          </p:cNvSpPr>
-          <p:nvPr>
             <p:ph type="title"/>
           </p:nvPr>
         </p:nvSpPr>
@@ -3412,6 +3262,607 @@
 </p:sld>
 </file>
 
+<file path=ppt/slides/slide10.xml><?xml version="1.0" encoding="utf-8"?>
+<p:sld xmlns:a="http://schemas.openxmlformats.org/drawingml/2006/main" xmlns:r="http://schemas.openxmlformats.org/officeDocument/2006/relationships" xmlns:p="http://schemas.openxmlformats.org/presentationml/2006/main">
+  <p:cSld>
+    <p:spTree>
+      <p:nvGrpSpPr>
+        <p:cNvPr id="1" name=""/>
+        <p:cNvGrpSpPr/>
+        <p:nvPr/>
+      </p:nvGrpSpPr>
+      <p:grpSpPr>
+        <a:xfrm>
+          <a:off x="0" y="0"/>
+          <a:ext cx="0" cy="0"/>
+          <a:chOff x="0" y="0"/>
+          <a:chExt cx="0" cy="0"/>
+        </a:xfrm>
+      </p:grpSpPr>
+      <p:sp>
+        <p:nvSpPr>
+          <p:cNvPr id="2" name="Title 1"/>
+          <p:cNvSpPr>
+            <a:spLocks noGrp="1"/>
+          </p:cNvSpPr>
+          <p:nvPr>
+            <p:ph type="title"/>
+          </p:nvPr>
+        </p:nvSpPr>
+        <p:spPr>
+          <a:xfrm>
+            <a:off x="762000" y="706437"/>
+            <a:ext cx="8229600" cy="1143000"/>
+          </a:xfrm>
+        </p:spPr>
+        <p:txBody>
+          <a:bodyPr>
+            <a:normAutofit fontScale="90000"/>
+          </a:bodyPr>
+          <a:lstStyle/>
+          <a:p>
+            <a:pPr algn="l"/>
+            <a:r>
+              <a:rPr lang="en-US" dirty="0" smtClean="0">
+                <a:solidFill>
+                  <a:schemeClr val="accent6"/>
+                </a:solidFill>
+              </a:rPr>
+              <a:t>VIM =&gt; command line universal text editor for Linux/Unix hosts.</a:t>
+            </a:r>
+            <a:endParaRPr lang="bg-BG" dirty="0">
+              <a:solidFill>
+                <a:schemeClr val="accent6"/>
+              </a:solidFill>
+            </a:endParaRPr>
+          </a:p>
+        </p:txBody>
+      </p:sp>
+      <p:sp>
+        <p:nvSpPr>
+          <p:cNvPr id="3" name="Content Placeholder 2"/>
+          <p:cNvSpPr>
+            <a:spLocks noGrp="1"/>
+          </p:cNvSpPr>
+          <p:nvPr>
+            <p:ph idx="1"/>
+          </p:nvPr>
+        </p:nvSpPr>
+        <p:spPr>
+          <a:xfrm>
+            <a:off x="762000" y="1676400"/>
+            <a:ext cx="6400800" cy="4525963"/>
+          </a:xfrm>
+        </p:spPr>
+        <p:txBody>
+          <a:bodyPr/>
+          <a:lstStyle/>
+          <a:p>
+            <a:pPr marL="0" indent="0">
+              <a:buNone/>
+            </a:pPr>
+            <a:endParaRPr lang="en-US" dirty="0" smtClean="0">
+              <a:solidFill>
+                <a:schemeClr val="bg1">
+                  <a:lumMod val="95000"/>
+                </a:schemeClr>
+              </a:solidFill>
+            </a:endParaRPr>
+          </a:p>
+          <a:p>
+            <a:pPr marL="0" indent="0">
+              <a:buNone/>
+            </a:pPr>
+            <a:endParaRPr lang="en-US" dirty="0">
+              <a:solidFill>
+                <a:schemeClr val="bg1">
+                  <a:lumMod val="95000"/>
+                </a:schemeClr>
+              </a:solidFill>
+            </a:endParaRPr>
+          </a:p>
+          <a:p>
+            <a:pPr marL="0" indent="0">
+              <a:buNone/>
+            </a:pPr>
+            <a:endParaRPr lang="en-US" dirty="0" smtClean="0">
+              <a:solidFill>
+                <a:schemeClr val="bg1">
+                  <a:lumMod val="95000"/>
+                </a:schemeClr>
+              </a:solidFill>
+            </a:endParaRPr>
+          </a:p>
+          <a:p>
+            <a:pPr marL="0" indent="0">
+              <a:buNone/>
+            </a:pPr>
+            <a:endParaRPr lang="en-US" dirty="0">
+              <a:solidFill>
+                <a:schemeClr val="bg1">
+                  <a:lumMod val="95000"/>
+                </a:schemeClr>
+              </a:solidFill>
+            </a:endParaRPr>
+          </a:p>
+          <a:p>
+            <a:pPr marL="0" indent="0">
+              <a:buNone/>
+            </a:pPr>
+            <a:endParaRPr lang="en-US" dirty="0" smtClean="0">
+              <a:solidFill>
+                <a:schemeClr val="bg1">
+                  <a:lumMod val="95000"/>
+                </a:schemeClr>
+              </a:solidFill>
+            </a:endParaRPr>
+          </a:p>
+          <a:p>
+            <a:pPr marL="514350" indent="-514350">
+              <a:buAutoNum type="arabicPeriod"/>
+            </a:pPr>
+            <a:r>
+              <a:rPr lang="en-US" dirty="0" smtClean="0">
+                <a:solidFill>
+                  <a:srgbClr val="FF0000"/>
+                </a:solidFill>
+              </a:rPr>
+              <a:t>Exercises/Homework:</a:t>
+            </a:r>
+          </a:p>
+          <a:p>
+            <a:pPr marL="0" indent="0">
+              <a:buNone/>
+            </a:pPr>
+            <a:r>
+              <a:rPr lang="en-US" dirty="0" smtClean="0">
+                <a:solidFill>
+                  <a:schemeClr val="bg1">
+                    <a:lumMod val="95000"/>
+                  </a:schemeClr>
+                </a:solidFill>
+              </a:rPr>
+              <a:t>Start and finish the ‘</a:t>
+            </a:r>
+            <a:r>
+              <a:rPr lang="en-US" dirty="0" err="1" smtClean="0">
+                <a:solidFill>
+                  <a:schemeClr val="bg1">
+                    <a:lumMod val="95000"/>
+                  </a:schemeClr>
+                </a:solidFill>
+              </a:rPr>
+              <a:t>vimtutor</a:t>
+            </a:r>
+            <a:r>
+              <a:rPr lang="en-US" dirty="0" smtClean="0">
+                <a:solidFill>
+                  <a:schemeClr val="bg1">
+                    <a:lumMod val="95000"/>
+                  </a:schemeClr>
+                </a:solidFill>
+              </a:rPr>
+              <a:t>’</a:t>
+            </a:r>
+            <a:endParaRPr lang="bg-BG" dirty="0">
+              <a:solidFill>
+                <a:schemeClr val="bg1">
+                  <a:lumMod val="95000"/>
+                </a:schemeClr>
+              </a:solidFill>
+            </a:endParaRPr>
+          </a:p>
+        </p:txBody>
+      </p:sp>
+      <p:pic>
+        <p:nvPicPr>
+          <p:cNvPr id="4" name="Picture 3"/>
+          <p:cNvPicPr>
+            <a:picLocks noChangeAspect="1"/>
+          </p:cNvPicPr>
+          <p:nvPr/>
+        </p:nvPicPr>
+        <p:blipFill>
+          <a:blip r:embed="rId2" cstate="print">
+            <a:extLst>
+              <a:ext uri="{28A0092B-C50C-407E-A947-70E740481C1C}">
+                <a14:useLocalDpi xmlns:a14="http://schemas.microsoft.com/office/drawing/2010/main" val="0"/>
+              </a:ext>
+            </a:extLst>
+          </a:blip>
+          <a:stretch>
+            <a:fillRect/>
+          </a:stretch>
+        </p:blipFill>
+        <p:spPr>
+          <a:xfrm>
+            <a:off x="685800" y="1849437"/>
+            <a:ext cx="2286000" cy="2286000"/>
+          </a:xfrm>
+          <a:prstGeom prst="rect">
+            <a:avLst/>
+          </a:prstGeom>
+        </p:spPr>
+      </p:pic>
+    </p:spTree>
+    <p:extLst>
+      <p:ext uri="{BB962C8B-B14F-4D97-AF65-F5344CB8AC3E}">
+        <p14:creationId xmlns:p14="http://schemas.microsoft.com/office/powerpoint/2010/main" val="2910363039"/>
+      </p:ext>
+    </p:extLst>
+  </p:cSld>
+  <p:clrMapOvr>
+    <a:masterClrMapping/>
+  </p:clrMapOvr>
+  <p:timing>
+    <p:tnLst>
+      <p:par>
+        <p:cTn id="1" dur="indefinite" restart="never" nodeType="tmRoot"/>
+      </p:par>
+    </p:tnLst>
+  </p:timing>
+</p:sld>
+</file>
+
+<file path=ppt/slides/slide2.xml><?xml version="1.0" encoding="utf-8"?>
+<p:sld xmlns:a="http://schemas.openxmlformats.org/drawingml/2006/main" xmlns:r="http://schemas.openxmlformats.org/officeDocument/2006/relationships" xmlns:p="http://schemas.openxmlformats.org/presentationml/2006/main">
+  <p:cSld>
+    <p:spTree>
+      <p:nvGrpSpPr>
+        <p:cNvPr id="1" name=""/>
+        <p:cNvGrpSpPr/>
+        <p:nvPr/>
+      </p:nvGrpSpPr>
+      <p:grpSpPr>
+        <a:xfrm>
+          <a:off x="0" y="0"/>
+          <a:ext cx="0" cy="0"/>
+          <a:chOff x="0" y="0"/>
+          <a:chExt cx="0" cy="0"/>
+        </a:xfrm>
+      </p:grpSpPr>
+      <p:sp>
+        <p:nvSpPr>
+          <p:cNvPr id="2" name="Title 1"/>
+          <p:cNvSpPr>
+            <a:spLocks noGrp="1"/>
+          </p:cNvSpPr>
+          <p:nvPr>
+            <p:ph type="title"/>
+          </p:nvPr>
+        </p:nvSpPr>
+        <p:spPr/>
+        <p:txBody>
+          <a:bodyPr>
+            <a:normAutofit fontScale="90000"/>
+          </a:bodyPr>
+          <a:lstStyle/>
+          <a:p>
+            <a:r>
+              <a:rPr lang="en-US" dirty="0" smtClean="0">
+                <a:solidFill>
+                  <a:schemeClr val="accent6"/>
+                </a:solidFill>
+              </a:rPr>
+              <a:t/>
+            </a:r>
+            <a:br>
+              <a:rPr lang="en-US" dirty="0" smtClean="0">
+                <a:solidFill>
+                  <a:schemeClr val="accent6"/>
+                </a:solidFill>
+              </a:rPr>
+            </a:br>
+            <a:r>
+              <a:rPr lang="en-US" dirty="0">
+                <a:solidFill>
+                  <a:schemeClr val="accent6"/>
+                </a:solidFill>
+              </a:rPr>
+              <a:t/>
+            </a:r>
+            <a:br>
+              <a:rPr lang="en-US" dirty="0">
+                <a:solidFill>
+                  <a:schemeClr val="accent6"/>
+                </a:solidFill>
+              </a:rPr>
+            </a:br>
+            <a:r>
+              <a:rPr lang="en-US" dirty="0" smtClean="0">
+                <a:solidFill>
+                  <a:schemeClr val="accent6"/>
+                </a:solidFill>
+              </a:rPr>
+              <a:t/>
+            </a:r>
+            <a:br>
+              <a:rPr lang="en-US" dirty="0" smtClean="0">
+                <a:solidFill>
+                  <a:schemeClr val="accent6"/>
+                </a:solidFill>
+              </a:rPr>
+            </a:br>
+            <a:r>
+              <a:rPr lang="en-US" dirty="0">
+                <a:solidFill>
+                  <a:schemeClr val="accent6"/>
+                </a:solidFill>
+              </a:rPr>
+              <a:t/>
+            </a:r>
+            <a:br>
+              <a:rPr lang="en-US" dirty="0">
+                <a:solidFill>
+                  <a:schemeClr val="accent6"/>
+                </a:solidFill>
+              </a:rPr>
+            </a:br>
+            <a:r>
+              <a:rPr lang="en-US" dirty="0" smtClean="0">
+                <a:solidFill>
+                  <a:schemeClr val="accent6"/>
+                </a:solidFill>
+              </a:rPr>
+              <a:t/>
+            </a:r>
+            <a:br>
+              <a:rPr lang="en-US" dirty="0" smtClean="0">
+                <a:solidFill>
+                  <a:schemeClr val="accent6"/>
+                </a:solidFill>
+              </a:rPr>
+            </a:br>
+            <a:r>
+              <a:rPr lang="en-US" dirty="0" smtClean="0">
+                <a:solidFill>
+                  <a:schemeClr val="accent6"/>
+                </a:solidFill>
+              </a:rPr>
+              <a:t/>
+            </a:r>
+            <a:br>
+              <a:rPr lang="en-US" dirty="0" smtClean="0">
+                <a:solidFill>
+                  <a:schemeClr val="accent6"/>
+                </a:solidFill>
+              </a:rPr>
+            </a:br>
+            <a:r>
+              <a:rPr lang="en-US" dirty="0">
+                <a:solidFill>
+                  <a:schemeClr val="accent6"/>
+                </a:solidFill>
+              </a:rPr>
+              <a:t/>
+            </a:r>
+            <a:br>
+              <a:rPr lang="en-US" dirty="0">
+                <a:solidFill>
+                  <a:schemeClr val="accent6"/>
+                </a:solidFill>
+              </a:rPr>
+            </a:br>
+            <a:r>
+              <a:rPr lang="en-US" dirty="0" smtClean="0">
+                <a:solidFill>
+                  <a:schemeClr val="accent6"/>
+                </a:solidFill>
+              </a:rPr>
+              <a:t/>
+            </a:r>
+            <a:br>
+              <a:rPr lang="en-US" dirty="0" smtClean="0">
+                <a:solidFill>
+                  <a:schemeClr val="accent6"/>
+                </a:solidFill>
+              </a:rPr>
+            </a:br>
+            <a:r>
+              <a:rPr lang="en-US" dirty="0">
+                <a:solidFill>
+                  <a:schemeClr val="accent6"/>
+                </a:solidFill>
+              </a:rPr>
+              <a:t/>
+            </a:r>
+            <a:br>
+              <a:rPr lang="en-US" dirty="0">
+                <a:solidFill>
+                  <a:schemeClr val="accent6"/>
+                </a:solidFill>
+              </a:rPr>
+            </a:br>
+            <a:r>
+              <a:rPr lang="en-US" dirty="0" smtClean="0">
+                <a:solidFill>
+                  <a:schemeClr val="accent6"/>
+                </a:solidFill>
+              </a:rPr>
+              <a:t>History </a:t>
+            </a:r>
+            <a:r>
+              <a:rPr lang="en-US" dirty="0">
+                <a:solidFill>
+                  <a:schemeClr val="accent6"/>
+                </a:solidFill>
+              </a:rPr>
+              <a:t>of Linux</a:t>
+            </a:r>
+            <a:br>
+              <a:rPr lang="en-US" dirty="0">
+                <a:solidFill>
+                  <a:schemeClr val="accent6"/>
+                </a:solidFill>
+              </a:rPr>
+            </a:br>
+            <a:r>
+              <a:rPr lang="en-US" dirty="0" smtClean="0">
+                <a:solidFill>
+                  <a:schemeClr val="accent6"/>
+                </a:solidFill>
+              </a:rPr>
+              <a:t/>
+            </a:r>
+            <a:br>
+              <a:rPr lang="en-US" dirty="0" smtClean="0">
+                <a:solidFill>
+                  <a:schemeClr val="accent6"/>
+                </a:solidFill>
+              </a:rPr>
+            </a:br>
+            <a:r>
+              <a:rPr lang="en-US" sz="2000" dirty="0" smtClean="0">
+                <a:solidFill>
+                  <a:schemeClr val="accent6"/>
+                </a:solidFill>
+              </a:rPr>
+              <a:t>In </a:t>
+            </a:r>
+            <a:r>
+              <a:rPr lang="en-US" sz="2000" dirty="0">
+                <a:solidFill>
+                  <a:schemeClr val="accent6"/>
+                </a:solidFill>
+              </a:rPr>
+              <a:t>order to understand the popularity of Linux, we need to travel back in time, about 30 years ago. </a:t>
+            </a:r>
+            <a:r>
+              <a:rPr lang="en-US" sz="2000" dirty="0" smtClean="0">
+                <a:solidFill>
+                  <a:schemeClr val="accent6"/>
+                </a:solidFill>
+              </a:rPr>
+              <a:t>Every </a:t>
+            </a:r>
+            <a:r>
+              <a:rPr lang="en-US" sz="2000" dirty="0">
+                <a:solidFill>
+                  <a:schemeClr val="accent6"/>
+                </a:solidFill>
+              </a:rPr>
+              <a:t>computer had a different operating system. Software was always customized to serve a specific purpose, and software for one given system didn't run on another </a:t>
+            </a:r>
+            <a:r>
+              <a:rPr lang="en-US" sz="2000" dirty="0" smtClean="0">
+                <a:solidFill>
+                  <a:schemeClr val="accent6"/>
+                </a:solidFill>
+              </a:rPr>
+              <a:t>system.</a:t>
+            </a:r>
+            <a:br>
+              <a:rPr lang="en-US" sz="2000" dirty="0" smtClean="0">
+                <a:solidFill>
+                  <a:schemeClr val="accent6"/>
+                </a:solidFill>
+              </a:rPr>
+            </a:br>
+            <a:r>
+              <a:rPr lang="en-US" sz="2000" dirty="0" smtClean="0">
+                <a:solidFill>
+                  <a:schemeClr val="accent6"/>
+                </a:solidFill>
+              </a:rPr>
+              <a:t/>
+            </a:r>
+            <a:br>
+              <a:rPr lang="en-US" sz="2000" dirty="0" smtClean="0">
+                <a:solidFill>
+                  <a:schemeClr val="accent6"/>
+                </a:solidFill>
+              </a:rPr>
+            </a:br>
+            <a:r>
+              <a:rPr lang="en-US" sz="2000" dirty="0" smtClean="0">
+                <a:solidFill>
+                  <a:schemeClr val="accent6"/>
+                </a:solidFill>
+              </a:rPr>
+              <a:t>In 1969, a team of developers in the Bell Labs laboratories started working on a solution. =&gt; “UNIX”. It was initially found only in very large environments with mainframes. You had to work at a university, for government … Smaller computer were being developed, and by the end of the 80’s, many people had home computers. None of the UNIX versions were truly free and they were terribly slow.</a:t>
+            </a:r>
+            <a:br>
+              <a:rPr lang="en-US" sz="2000" dirty="0" smtClean="0">
+                <a:solidFill>
+                  <a:schemeClr val="accent6"/>
+                </a:solidFill>
+              </a:rPr>
+            </a:br>
+            <a:r>
+              <a:rPr lang="en-US" sz="2000" dirty="0" smtClean="0">
+                <a:solidFill>
+                  <a:schemeClr val="accent6"/>
+                </a:solidFill>
+              </a:rPr>
+              <a:t/>
+            </a:r>
+            <a:br>
+              <a:rPr lang="en-US" sz="2000" dirty="0" smtClean="0">
+                <a:solidFill>
+                  <a:schemeClr val="accent6"/>
+                </a:solidFill>
+              </a:rPr>
+            </a:br>
+            <a:r>
+              <a:rPr lang="en-US" sz="2000" dirty="0">
+                <a:solidFill>
+                  <a:schemeClr val="accent6"/>
+                </a:solidFill>
+              </a:rPr>
+              <a:t/>
+            </a:r>
+            <a:br>
+              <a:rPr lang="en-US" sz="2000" dirty="0">
+                <a:solidFill>
+                  <a:schemeClr val="accent6"/>
+                </a:solidFill>
+              </a:rPr>
+            </a:br>
+            <a:endParaRPr lang="en-US" sz="2000" dirty="0">
+              <a:solidFill>
+                <a:schemeClr val="accent6"/>
+              </a:solidFill>
+            </a:endParaRPr>
+          </a:p>
+        </p:txBody>
+      </p:sp>
+      <p:sp>
+        <p:nvSpPr>
+          <p:cNvPr id="3" name="Content Placeholder 2"/>
+          <p:cNvSpPr>
+            <a:spLocks noGrp="1"/>
+          </p:cNvSpPr>
+          <p:nvPr>
+            <p:ph idx="1"/>
+          </p:nvPr>
+        </p:nvSpPr>
+        <p:spPr/>
+        <p:txBody>
+          <a:bodyPr>
+            <a:normAutofit/>
+          </a:bodyPr>
+          <a:lstStyle/>
+          <a:p>
+            <a:pPr marL="0" indent="0">
+              <a:buNone/>
+            </a:pPr>
+            <a:endParaRPr lang="en-US" dirty="0"/>
+          </a:p>
+        </p:txBody>
+      </p:sp>
+    </p:spTree>
+    <p:extLst>
+      <p:ext uri="{BB962C8B-B14F-4D97-AF65-F5344CB8AC3E}">
+        <p14:creationId xmlns:p14="http://schemas.microsoft.com/office/powerpoint/2010/main" val="3912634524"/>
+      </p:ext>
+    </p:extLst>
+  </p:cSld>
+  <p:clrMapOvr>
+    <a:masterClrMapping/>
+  </p:clrMapOvr>
+</p:sld>
+</file>
+
 <file path=ppt/slides/slide3.xml><?xml version="1.0" encoding="utf-8"?>
 <p:sld xmlns:a="http://schemas.openxmlformats.org/drawingml/2006/main" xmlns:r="http://schemas.openxmlformats.org/officeDocument/2006/relationships" xmlns:p="http://schemas.openxmlformats.org/presentationml/2006/main">
   <p:cSld>
@@ -3439,6 +3890,405 @@
             <p:ph type="title"/>
           </p:nvPr>
         </p:nvSpPr>
+        <p:spPr/>
+        <p:txBody>
+          <a:bodyPr>
+            <a:normAutofit fontScale="90000"/>
+          </a:bodyPr>
+          <a:lstStyle/>
+          <a:p>
+            <a:r>
+              <a:rPr lang="en-US" dirty="0" smtClean="0">
+                <a:solidFill>
+                  <a:schemeClr val="accent6"/>
+                </a:solidFill>
+              </a:rPr>
+              <a:t/>
+            </a:r>
+            <a:br>
+              <a:rPr lang="en-US" dirty="0" smtClean="0">
+                <a:solidFill>
+                  <a:schemeClr val="accent6"/>
+                </a:solidFill>
+              </a:rPr>
+            </a:br>
+            <a:r>
+              <a:rPr lang="en-US" dirty="0">
+                <a:solidFill>
+                  <a:schemeClr val="accent6"/>
+                </a:solidFill>
+              </a:rPr>
+              <a:t/>
+            </a:r>
+            <a:br>
+              <a:rPr lang="en-US" dirty="0">
+                <a:solidFill>
+                  <a:schemeClr val="accent6"/>
+                </a:solidFill>
+              </a:rPr>
+            </a:br>
+            <a:r>
+              <a:rPr lang="en-US" dirty="0" smtClean="0">
+                <a:solidFill>
+                  <a:schemeClr val="accent6"/>
+                </a:solidFill>
+              </a:rPr>
+              <a:t/>
+            </a:r>
+            <a:br>
+              <a:rPr lang="en-US" dirty="0" smtClean="0">
+                <a:solidFill>
+                  <a:schemeClr val="accent6"/>
+                </a:solidFill>
+              </a:rPr>
+            </a:br>
+            <a:r>
+              <a:rPr lang="en-US" sz="2700" dirty="0" smtClean="0">
+                <a:solidFill>
+                  <a:schemeClr val="accent6"/>
+                </a:solidFill>
+              </a:rPr>
+              <a:t>By the beginning of the 90s, home PCs were powerful enough to run UNIX.</a:t>
+            </a:r>
+            <a:r>
+              <a:rPr lang="en-US" sz="2700" dirty="0">
+                <a:solidFill>
+                  <a:schemeClr val="accent6"/>
+                </a:solidFill>
+              </a:rPr>
+              <a:t/>
+            </a:r>
+            <a:br>
+              <a:rPr lang="en-US" sz="2700" dirty="0">
+                <a:solidFill>
+                  <a:schemeClr val="accent6"/>
+                </a:solidFill>
+              </a:rPr>
+            </a:br>
+            <a:r>
+              <a:rPr lang="en-US" sz="2700" dirty="0" smtClean="0">
+                <a:solidFill>
+                  <a:schemeClr val="accent6"/>
+                </a:solidFill>
+              </a:rPr>
+              <a:t>In 1991, Linus Torvalds thought it would be a good idea to have some sort of freely available academic version of UNIX. He called it ‘Linux’. The first truly free Unix-like OS.</a:t>
+            </a:r>
+            <a:endParaRPr lang="en-US" sz="2700" dirty="0">
+              <a:solidFill>
+                <a:schemeClr val="accent6"/>
+              </a:solidFill>
+            </a:endParaRPr>
+          </a:p>
+        </p:txBody>
+      </p:sp>
+      <p:pic>
+        <p:nvPicPr>
+          <p:cNvPr id="4" name="Content Placeholder 3"/>
+          <p:cNvPicPr>
+            <a:picLocks noGrp="1" noChangeAspect="1"/>
+          </p:cNvPicPr>
+          <p:nvPr>
+            <p:ph idx="1"/>
+          </p:nvPr>
+        </p:nvPicPr>
+        <p:blipFill>
+          <a:blip r:embed="rId2">
+            <a:extLst>
+              <a:ext uri="{28A0092B-C50C-407E-A947-70E740481C1C}">
+                <a14:useLocalDpi xmlns:a14="http://schemas.microsoft.com/office/drawing/2010/main" val="0"/>
+              </a:ext>
+            </a:extLst>
+          </a:blip>
+          <a:stretch>
+            <a:fillRect/>
+          </a:stretch>
+        </p:blipFill>
+        <p:spPr>
+          <a:xfrm>
+            <a:off x="2209800" y="2895600"/>
+            <a:ext cx="4724400" cy="3543300"/>
+          </a:xfrm>
+        </p:spPr>
+      </p:pic>
+    </p:spTree>
+    <p:extLst>
+      <p:ext uri="{BB962C8B-B14F-4D97-AF65-F5344CB8AC3E}">
+        <p14:creationId xmlns:p14="http://schemas.microsoft.com/office/powerpoint/2010/main" val="1960658812"/>
+      </p:ext>
+    </p:extLst>
+  </p:cSld>
+  <p:clrMapOvr>
+    <a:masterClrMapping/>
+  </p:clrMapOvr>
+</p:sld>
+</file>
+
+<file path=ppt/slides/slide4.xml><?xml version="1.0" encoding="utf-8"?>
+<p:sld xmlns:a="http://schemas.openxmlformats.org/drawingml/2006/main" xmlns:r="http://schemas.openxmlformats.org/officeDocument/2006/relationships" xmlns:p="http://schemas.openxmlformats.org/presentationml/2006/main">
+  <p:cSld>
+    <p:spTree>
+      <p:nvGrpSpPr>
+        <p:cNvPr id="1" name=""/>
+        <p:cNvGrpSpPr/>
+        <p:nvPr/>
+      </p:nvGrpSpPr>
+      <p:grpSpPr>
+        <a:xfrm>
+          <a:off x="0" y="0"/>
+          <a:ext cx="0" cy="0"/>
+          <a:chOff x="0" y="0"/>
+          <a:chExt cx="0" cy="0"/>
+        </a:xfrm>
+      </p:grpSpPr>
+      <p:sp>
+        <p:nvSpPr>
+          <p:cNvPr id="2" name="Title 1"/>
+          <p:cNvSpPr>
+            <a:spLocks noGrp="1"/>
+          </p:cNvSpPr>
+          <p:nvPr>
+            <p:ph type="title"/>
+          </p:nvPr>
+        </p:nvSpPr>
+        <p:spPr/>
+        <p:txBody>
+          <a:bodyPr/>
+          <a:lstStyle/>
+          <a:p>
+            <a:endParaRPr lang="en-US"/>
+          </a:p>
+        </p:txBody>
+      </p:sp>
+      <p:pic>
+        <p:nvPicPr>
+          <p:cNvPr id="4" name="Content Placeholder 3"/>
+          <p:cNvPicPr>
+            <a:picLocks noGrp="1" noChangeAspect="1"/>
+          </p:cNvPicPr>
+          <p:nvPr>
+            <p:ph idx="1"/>
+          </p:nvPr>
+        </p:nvPicPr>
+        <p:blipFill>
+          <a:blip r:embed="rId2" cstate="print">
+            <a:extLst>
+              <a:ext uri="{28A0092B-C50C-407E-A947-70E740481C1C}">
+                <a14:useLocalDpi xmlns:a14="http://schemas.microsoft.com/office/drawing/2010/main" val="0"/>
+              </a:ext>
+            </a:extLst>
+          </a:blip>
+          <a:stretch>
+            <a:fillRect/>
+          </a:stretch>
+        </p:blipFill>
+        <p:spPr>
+          <a:xfrm>
+            <a:off x="304800" y="1066800"/>
+            <a:ext cx="8087684" cy="5486400"/>
+          </a:xfrm>
+        </p:spPr>
+      </p:pic>
+    </p:spTree>
+    <p:extLst>
+      <p:ext uri="{BB962C8B-B14F-4D97-AF65-F5344CB8AC3E}">
+        <p14:creationId xmlns:p14="http://schemas.microsoft.com/office/powerpoint/2010/main" val="1672326584"/>
+      </p:ext>
+    </p:extLst>
+  </p:cSld>
+  <p:clrMapOvr>
+    <a:masterClrMapping/>
+  </p:clrMapOvr>
+</p:sld>
+</file>
+
+<file path=ppt/slides/slide5.xml><?xml version="1.0" encoding="utf-8"?>
+<p:sld xmlns:a="http://schemas.openxmlformats.org/drawingml/2006/main" xmlns:r="http://schemas.openxmlformats.org/officeDocument/2006/relationships" xmlns:p="http://schemas.openxmlformats.org/presentationml/2006/main">
+  <p:cSld>
+    <p:spTree>
+      <p:nvGrpSpPr>
+        <p:cNvPr id="1" name=""/>
+        <p:cNvGrpSpPr/>
+        <p:nvPr/>
+      </p:nvGrpSpPr>
+      <p:grpSpPr>
+        <a:xfrm>
+          <a:off x="0" y="0"/>
+          <a:ext cx="0" cy="0"/>
+          <a:chOff x="0" y="0"/>
+          <a:chExt cx="0" cy="0"/>
+        </a:xfrm>
+      </p:grpSpPr>
+      <p:sp>
+        <p:nvSpPr>
+          <p:cNvPr id="2" name="Title 1"/>
+          <p:cNvSpPr>
+            <a:spLocks noGrp="1"/>
+          </p:cNvSpPr>
+          <p:nvPr>
+            <p:ph type="ctrTitle"/>
+          </p:nvPr>
+        </p:nvSpPr>
+        <p:spPr/>
+        <p:txBody>
+          <a:bodyPr>
+            <a:normAutofit/>
+          </a:bodyPr>
+          <a:lstStyle/>
+          <a:p>
+            <a:r>
+              <a:rPr lang="en-US" dirty="0" smtClean="0">
+                <a:solidFill>
+                  <a:schemeClr val="accent6"/>
+                </a:solidFill>
+              </a:rPr>
+              <a:t> </a:t>
+            </a:r>
+            <a:endParaRPr lang="bg-BG" dirty="0">
+              <a:solidFill>
+                <a:schemeClr val="accent6"/>
+              </a:solidFill>
+            </a:endParaRPr>
+          </a:p>
+        </p:txBody>
+      </p:sp>
+      <p:sp>
+        <p:nvSpPr>
+          <p:cNvPr id="3" name="Subtitle 2"/>
+          <p:cNvSpPr>
+            <a:spLocks noGrp="1"/>
+          </p:cNvSpPr>
+          <p:nvPr>
+            <p:ph type="subTitle" idx="1"/>
+          </p:nvPr>
+        </p:nvSpPr>
+        <p:spPr/>
+        <p:txBody>
+          <a:bodyPr/>
+          <a:lstStyle/>
+          <a:p>
+            <a:endParaRPr lang="bg-BG" dirty="0"/>
+          </a:p>
+        </p:txBody>
+      </p:sp>
+      <p:pic>
+        <p:nvPicPr>
+          <p:cNvPr id="4" name="Picture 3"/>
+          <p:cNvPicPr>
+            <a:picLocks noChangeAspect="1"/>
+          </p:cNvPicPr>
+          <p:nvPr/>
+        </p:nvPicPr>
+        <p:blipFill>
+          <a:blip r:embed="rId2">
+            <a:extLst>
+              <a:ext uri="{28A0092B-C50C-407E-A947-70E740481C1C}">
+                <a14:useLocalDpi xmlns:a14="http://schemas.microsoft.com/office/drawing/2010/main" val="0"/>
+              </a:ext>
+            </a:extLst>
+          </a:blip>
+          <a:stretch>
+            <a:fillRect/>
+          </a:stretch>
+        </p:blipFill>
+        <p:spPr>
+          <a:xfrm>
+            <a:off x="685800" y="2130425"/>
+            <a:ext cx="8001000" cy="4194049"/>
+          </a:xfrm>
+          <a:prstGeom prst="rect">
+            <a:avLst/>
+          </a:prstGeom>
+        </p:spPr>
+      </p:pic>
+      <p:sp>
+        <p:nvSpPr>
+          <p:cNvPr id="5" name="TextBox 4"/>
+          <p:cNvSpPr txBox="1"/>
+          <p:nvPr/>
+        </p:nvSpPr>
+        <p:spPr>
+          <a:xfrm>
+            <a:off x="3124200" y="838200"/>
+            <a:ext cx="6705600" cy="646331"/>
+          </a:xfrm>
+          <a:prstGeom prst="rect">
+            <a:avLst/>
+          </a:prstGeom>
+          <a:noFill/>
+        </p:spPr>
+        <p:txBody>
+          <a:bodyPr wrap="square" rtlCol="0">
+            <a:spAutoFit/>
+          </a:bodyPr>
+          <a:lstStyle/>
+          <a:p>
+            <a:r>
+              <a:rPr lang="en-US" sz="3600" dirty="0" smtClean="0">
+                <a:ln w="0"/>
+                <a:solidFill>
+                  <a:schemeClr val="accent1"/>
+                </a:solidFill>
+                <a:effectLst>
+                  <a:outerShdw blurRad="38100" dist="25400" dir="5400000" algn="ctr" rotWithShape="0">
+                    <a:srgbClr val="6E747A">
+                      <a:alpha val="43000"/>
+                    </a:srgbClr>
+                  </a:outerShdw>
+                </a:effectLst>
+              </a:rPr>
+              <a:t>Linux System Administration</a:t>
+            </a:r>
+            <a:endParaRPr lang="en-US" sz="3600" dirty="0"/>
+          </a:p>
+        </p:txBody>
+      </p:sp>
+    </p:spTree>
+    <p:extLst>
+      <p:ext uri="{BB962C8B-B14F-4D97-AF65-F5344CB8AC3E}">
+        <p14:creationId xmlns:p14="http://schemas.microsoft.com/office/powerpoint/2010/main" val="2032689186"/>
+      </p:ext>
+    </p:extLst>
+  </p:cSld>
+  <p:clrMapOvr>
+    <a:masterClrMapping/>
+  </p:clrMapOvr>
+  <p:timing>
+    <p:tnLst>
+      <p:par>
+        <p:cTn id="1" dur="indefinite" restart="never" nodeType="tmRoot"/>
+      </p:par>
+    </p:tnLst>
+  </p:timing>
+</p:sld>
+</file>
+
+<file path=ppt/slides/slide6.xml><?xml version="1.0" encoding="utf-8"?>
+<p:sld xmlns:a="http://schemas.openxmlformats.org/drawingml/2006/main" xmlns:r="http://schemas.openxmlformats.org/officeDocument/2006/relationships" xmlns:p="http://schemas.openxmlformats.org/presentationml/2006/main">
+  <p:cSld>
+    <p:spTree>
+      <p:nvGrpSpPr>
+        <p:cNvPr id="1" name=""/>
+        <p:cNvGrpSpPr/>
+        <p:nvPr/>
+      </p:nvGrpSpPr>
+      <p:grpSpPr>
+        <a:xfrm>
+          <a:off x="0" y="0"/>
+          <a:ext cx="0" cy="0"/>
+          <a:chOff x="0" y="0"/>
+          <a:chExt cx="0" cy="0"/>
+        </a:xfrm>
+      </p:grpSpPr>
+      <p:sp>
+        <p:nvSpPr>
+          <p:cNvPr id="2" name="Title 1"/>
+          <p:cNvSpPr>
+            <a:spLocks noGrp="1"/>
+          </p:cNvSpPr>
+          <p:nvPr>
+            <p:ph type="title"/>
+          </p:nvPr>
+        </p:nvSpPr>
         <p:spPr>
           <a:xfrm>
             <a:off x="767793" y="685800"/>
@@ -3490,14 +4340,6 @@
               </a:rPr>
               <a:t>Hypervisor =&gt; software that creates and runs virtual machines.</a:t>
             </a:r>
-            <a:r>
-              <a:rPr lang="en-US" dirty="0" smtClean="0">
-                <a:solidFill>
-                  <a:schemeClr val="accent6"/>
-                </a:solidFill>
-              </a:rPr>
-              <a:t/>
-            </a:r>
             <a:br>
               <a:rPr lang="en-US" dirty="0" smtClean="0">
                 <a:solidFill>
@@ -3511,23 +4353,7 @@
                   <a:schemeClr val="accent6"/>
                 </a:solidFill>
               </a:rPr>
-              <a:t>Virtualization </a:t>
-            </a:r>
-            <a:r>
-              <a:rPr lang="en-US" dirty="0" smtClean="0">
-                <a:solidFill>
-                  <a:schemeClr val="accent6"/>
-                </a:solidFill>
-              </a:rPr>
-              <a:t>=&gt; Oracle Virtual </a:t>
-            </a:r>
-            <a:r>
-              <a:rPr lang="en-US" dirty="0" smtClean="0">
-                <a:solidFill>
-                  <a:schemeClr val="accent6"/>
-                </a:solidFill>
-              </a:rPr>
-              <a:t>box</a:t>
+              <a:t>Virtualization =&gt; Oracle Virtual box</a:t>
             </a:r>
             <a:r>
               <a:rPr lang="en-US" dirty="0">
@@ -3711,7 +4537,7 @@
 </p:sld>
 </file>
 
-<file path=ppt/slides/slide4.xml><?xml version="1.0" encoding="utf-8"?>
+<file path=ppt/slides/slide7.xml><?xml version="1.0" encoding="utf-8"?>
 <p:sld xmlns:a="http://schemas.openxmlformats.org/drawingml/2006/main" xmlns:r="http://schemas.openxmlformats.org/officeDocument/2006/relationships" xmlns:p="http://schemas.openxmlformats.org/presentationml/2006/main">
   <p:cSld>
     <p:spTree>
@@ -3886,7 +4712,7 @@
 </p:sld>
 </file>
 
-<file path=ppt/slides/slide5.xml><?xml version="1.0" encoding="utf-8"?>
+<file path=ppt/slides/slide8.xml><?xml version="1.0" encoding="utf-8"?>
 <p:sld xmlns:a="http://schemas.openxmlformats.org/drawingml/2006/main" xmlns:r="http://schemas.openxmlformats.org/officeDocument/2006/relationships" xmlns:p="http://schemas.openxmlformats.org/presentationml/2006/main">
   <p:cSld>
     <p:spTree>
@@ -4237,7 +5063,7 @@
 </p:sld>
 </file>
 
-<file path=ppt/slides/slide6.xml><?xml version="1.0" encoding="utf-8"?>
+<file path=ppt/slides/slide9.xml><?xml version="1.0" encoding="utf-8"?>
 <p:sld xmlns:a="http://schemas.openxmlformats.org/drawingml/2006/main" xmlns:r="http://schemas.openxmlformats.org/officeDocument/2006/relationships" xmlns:p="http://schemas.openxmlformats.org/presentationml/2006/main">
   <p:cSld>
     <p:spTree>
@@ -4460,25 +5286,8 @@
                   </a:schemeClr>
                 </a:solidFill>
               </a:rPr>
-              <a:t>Try to explain what do you think is its </a:t>
-            </a:r>
-            <a:r>
-              <a:rPr lang="en-US" dirty="0" smtClean="0">
-                <a:solidFill>
-                  <a:schemeClr val="bg1">
-                    <a:lumMod val="95000"/>
-                  </a:schemeClr>
-                </a:solidFill>
-              </a:rPr>
-              <a:t>meaning, google search if necessary.</a:t>
-            </a:r>
-            <a:endParaRPr lang="en-US" dirty="0" smtClean="0">
-              <a:solidFill>
-                <a:schemeClr val="bg1">
-                  <a:lumMod val="95000"/>
-                </a:schemeClr>
-              </a:solidFill>
-            </a:endParaRPr>
+              <a:t>Try to explain what do you think is its meaning, google search if necessary.</a:t>
+            </a:r>
           </a:p>
           <a:p>
             <a:pPr>
@@ -4499,248 +5308,6 @@
     <p:extLst>
       <p:ext uri="{BB962C8B-B14F-4D97-AF65-F5344CB8AC3E}">
         <p14:creationId xmlns:p14="http://schemas.microsoft.com/office/powerpoint/2010/main" val="1244033896"/>
-      </p:ext>
-    </p:extLst>
-  </p:cSld>
-  <p:clrMapOvr>
-    <a:masterClrMapping/>
-  </p:clrMapOvr>
-  <p:timing>
-    <p:tnLst>
-      <p:par>
-        <p:cTn id="1" dur="indefinite" restart="never" nodeType="tmRoot"/>
-      </p:par>
-    </p:tnLst>
-  </p:timing>
-</p:sld>
-</file>
-
-<file path=ppt/slides/slide7.xml><?xml version="1.0" encoding="utf-8"?>
-<p:sld xmlns:a="http://schemas.openxmlformats.org/drawingml/2006/main" xmlns:r="http://schemas.openxmlformats.org/officeDocument/2006/relationships" xmlns:p="http://schemas.openxmlformats.org/presentationml/2006/main">
-  <p:cSld>
-    <p:spTree>
-      <p:nvGrpSpPr>
-        <p:cNvPr id="1" name=""/>
-        <p:cNvGrpSpPr/>
-        <p:nvPr/>
-      </p:nvGrpSpPr>
-      <p:grpSpPr>
-        <a:xfrm>
-          <a:off x="0" y="0"/>
-          <a:ext cx="0" cy="0"/>
-          <a:chOff x="0" y="0"/>
-          <a:chExt cx="0" cy="0"/>
-        </a:xfrm>
-      </p:grpSpPr>
-      <p:sp>
-        <p:nvSpPr>
-          <p:cNvPr id="2" name="Title 1"/>
-          <p:cNvSpPr>
-            <a:spLocks noGrp="1"/>
-          </p:cNvSpPr>
-          <p:nvPr>
-            <p:ph type="title"/>
-          </p:nvPr>
-        </p:nvSpPr>
-        <p:spPr>
-          <a:xfrm>
-            <a:off x="762000" y="706437"/>
-            <a:ext cx="8229600" cy="1143000"/>
-          </a:xfrm>
-        </p:spPr>
-        <p:txBody>
-          <a:bodyPr>
-            <a:normAutofit fontScale="90000"/>
-          </a:bodyPr>
-          <a:lstStyle/>
-          <a:p>
-            <a:pPr algn="l"/>
-            <a:r>
-              <a:rPr lang="en-US" dirty="0" smtClean="0">
-                <a:solidFill>
-                  <a:schemeClr val="accent6"/>
-                </a:solidFill>
-              </a:rPr>
-              <a:t>VIM =&gt; command line universal text editor for Linux/Unix hosts.</a:t>
-            </a:r>
-            <a:endParaRPr lang="bg-BG" dirty="0">
-              <a:solidFill>
-                <a:schemeClr val="accent6"/>
-              </a:solidFill>
-            </a:endParaRPr>
-          </a:p>
-        </p:txBody>
-      </p:sp>
-      <p:sp>
-        <p:nvSpPr>
-          <p:cNvPr id="3" name="Content Placeholder 2"/>
-          <p:cNvSpPr>
-            <a:spLocks noGrp="1"/>
-          </p:cNvSpPr>
-          <p:nvPr>
-            <p:ph idx="1"/>
-          </p:nvPr>
-        </p:nvSpPr>
-        <p:spPr>
-          <a:xfrm>
-            <a:off x="762000" y="1676400"/>
-            <a:ext cx="6400800" cy="4525963"/>
-          </a:xfrm>
-        </p:spPr>
-        <p:txBody>
-          <a:bodyPr/>
-          <a:lstStyle/>
-          <a:p>
-            <a:pPr marL="0" indent="0">
-              <a:buNone/>
-            </a:pPr>
-            <a:endParaRPr lang="en-US" dirty="0" smtClean="0">
-              <a:solidFill>
-                <a:schemeClr val="bg1">
-                  <a:lumMod val="95000"/>
-                </a:schemeClr>
-              </a:solidFill>
-            </a:endParaRPr>
-          </a:p>
-          <a:p>
-            <a:pPr marL="0" indent="0">
-              <a:buNone/>
-            </a:pPr>
-            <a:endParaRPr lang="en-US" dirty="0">
-              <a:solidFill>
-                <a:schemeClr val="bg1">
-                  <a:lumMod val="95000"/>
-                </a:schemeClr>
-              </a:solidFill>
-            </a:endParaRPr>
-          </a:p>
-          <a:p>
-            <a:pPr marL="0" indent="0">
-              <a:buNone/>
-            </a:pPr>
-            <a:endParaRPr lang="en-US" dirty="0" smtClean="0">
-              <a:solidFill>
-                <a:schemeClr val="bg1">
-                  <a:lumMod val="95000"/>
-                </a:schemeClr>
-              </a:solidFill>
-            </a:endParaRPr>
-          </a:p>
-          <a:p>
-            <a:pPr marL="0" indent="0">
-              <a:buNone/>
-            </a:pPr>
-            <a:endParaRPr lang="en-US" dirty="0">
-              <a:solidFill>
-                <a:schemeClr val="bg1">
-                  <a:lumMod val="95000"/>
-                </a:schemeClr>
-              </a:solidFill>
-            </a:endParaRPr>
-          </a:p>
-          <a:p>
-            <a:pPr marL="0" indent="0">
-              <a:buNone/>
-            </a:pPr>
-            <a:endParaRPr lang="en-US" dirty="0" smtClean="0">
-              <a:solidFill>
-                <a:schemeClr val="bg1">
-                  <a:lumMod val="95000"/>
-                </a:schemeClr>
-              </a:solidFill>
-            </a:endParaRPr>
-          </a:p>
-          <a:p>
-            <a:pPr marL="514350" indent="-514350">
-              <a:buAutoNum type="arabicPeriod"/>
-            </a:pPr>
-            <a:r>
-              <a:rPr lang="en-US" dirty="0" smtClean="0">
-                <a:solidFill>
-                  <a:srgbClr val="FF0000"/>
-                </a:solidFill>
-              </a:rPr>
-              <a:t>Exercises/Homework:</a:t>
-            </a:r>
-          </a:p>
-          <a:p>
-            <a:pPr marL="0" indent="0">
-              <a:buNone/>
-            </a:pPr>
-            <a:r>
-              <a:rPr lang="en-US" dirty="0" smtClean="0">
-                <a:solidFill>
-                  <a:schemeClr val="bg1">
-                    <a:lumMod val="95000"/>
-                  </a:schemeClr>
-                </a:solidFill>
-              </a:rPr>
-              <a:t>Start and finish the ‘</a:t>
-            </a:r>
-            <a:r>
-              <a:rPr lang="en-US" dirty="0" err="1" smtClean="0">
-                <a:solidFill>
-                  <a:schemeClr val="bg1">
-                    <a:lumMod val="95000"/>
-                  </a:schemeClr>
-                </a:solidFill>
-              </a:rPr>
-              <a:t>vimtutor</a:t>
-            </a:r>
-            <a:r>
-              <a:rPr lang="en-US" dirty="0" smtClean="0">
-                <a:solidFill>
-                  <a:schemeClr val="bg1">
-                    <a:lumMod val="95000"/>
-                  </a:schemeClr>
-                </a:solidFill>
-              </a:rPr>
-              <a:t>’</a:t>
-            </a:r>
-            <a:endParaRPr lang="bg-BG" dirty="0">
-              <a:solidFill>
-                <a:schemeClr val="bg1">
-                  <a:lumMod val="95000"/>
-                </a:schemeClr>
-              </a:solidFill>
-            </a:endParaRPr>
-          </a:p>
-        </p:txBody>
-      </p:sp>
-      <p:pic>
-        <p:nvPicPr>
-          <p:cNvPr id="4" name="Picture 3"/>
-          <p:cNvPicPr>
-            <a:picLocks noChangeAspect="1"/>
-          </p:cNvPicPr>
-          <p:nvPr/>
-        </p:nvPicPr>
-        <p:blipFill>
-          <a:blip r:embed="rId2" cstate="print">
-            <a:extLst>
-              <a:ext uri="{28A0092B-C50C-407E-A947-70E740481C1C}">
-                <a14:useLocalDpi xmlns:a14="http://schemas.microsoft.com/office/drawing/2010/main" val="0"/>
-              </a:ext>
-            </a:extLst>
-          </a:blip>
-          <a:stretch>
-            <a:fillRect/>
-          </a:stretch>
-        </p:blipFill>
-        <p:spPr>
-          <a:xfrm>
-            <a:off x="685800" y="1849437"/>
-            <a:ext cx="2286000" cy="2286000"/>
-          </a:xfrm>
-          <a:prstGeom prst="rect">
-            <a:avLst/>
-          </a:prstGeom>
-        </p:spPr>
-      </p:pic>
-    </p:spTree>
-    <p:extLst>
-      <p:ext uri="{BB962C8B-B14F-4D97-AF65-F5344CB8AC3E}">
-        <p14:creationId xmlns:p14="http://schemas.microsoft.com/office/powerpoint/2010/main" val="2910363039"/>
       </p:ext>
     </p:extLst>
   </p:cSld>

--- a/1.Introduction/01-Introduction.pptx
+++ b/1.Introduction/01-Introduction.pptx
@@ -4,17 +4,19 @@
   <p:sldMasterIdLst>
     <p:sldMasterId id="2147483648" r:id="rId1"/>
   </p:sldMasterIdLst>
+  <p:notesMasterIdLst>
+    <p:notesMasterId r:id="rId11"/>
+  </p:notesMasterIdLst>
   <p:sldIdLst>
     <p:sldId id="266" r:id="rId2"/>
-    <p:sldId id="267" r:id="rId3"/>
-    <p:sldId id="268" r:id="rId4"/>
-    <p:sldId id="269" r:id="rId5"/>
-    <p:sldId id="256" r:id="rId6"/>
-    <p:sldId id="258" r:id="rId7"/>
-    <p:sldId id="257" r:id="rId8"/>
-    <p:sldId id="259" r:id="rId9"/>
-    <p:sldId id="264" r:id="rId10"/>
-    <p:sldId id="262" r:id="rId11"/>
+    <p:sldId id="268" r:id="rId3"/>
+    <p:sldId id="269" r:id="rId4"/>
+    <p:sldId id="256" r:id="rId5"/>
+    <p:sldId id="258" r:id="rId6"/>
+    <p:sldId id="257" r:id="rId7"/>
+    <p:sldId id="259" r:id="rId8"/>
+    <p:sldId id="264" r:id="rId9"/>
+    <p:sldId id="262" r:id="rId10"/>
   </p:sldIdLst>
   <p:sldSz cx="9144000" cy="6858000" type="screen4x3"/>
   <p:notesSz cx="6858000" cy="9144000"/>
@@ -132,6 +134,356 @@
 </p:presentation>
 </file>
 
+<file path=ppt/notesMasters/notesMaster1.xml><?xml version="1.0" encoding="utf-8"?>
+<p:notesMaster xmlns:a="http://schemas.openxmlformats.org/drawingml/2006/main" xmlns:r="http://schemas.openxmlformats.org/officeDocument/2006/relationships" xmlns:p="http://schemas.openxmlformats.org/presentationml/2006/main">
+  <p:cSld>
+    <p:bg>
+      <p:bgRef idx="1001">
+        <a:schemeClr val="bg1"/>
+      </p:bgRef>
+    </p:bg>
+    <p:spTree>
+      <p:nvGrpSpPr>
+        <p:cNvPr id="1" name=""/>
+        <p:cNvGrpSpPr/>
+        <p:nvPr/>
+      </p:nvGrpSpPr>
+      <p:grpSpPr>
+        <a:xfrm>
+          <a:off x="0" y="0"/>
+          <a:ext cx="0" cy="0"/>
+          <a:chOff x="0" y="0"/>
+          <a:chExt cx="0" cy="0"/>
+        </a:xfrm>
+      </p:grpSpPr>
+      <p:sp>
+        <p:nvSpPr>
+          <p:cNvPr id="2" name="Header Placeholder 1"/>
+          <p:cNvSpPr>
+            <a:spLocks noGrp="1"/>
+          </p:cNvSpPr>
+          <p:nvPr>
+            <p:ph type="hdr" sz="quarter"/>
+          </p:nvPr>
+        </p:nvSpPr>
+        <p:spPr>
+          <a:xfrm>
+            <a:off x="0" y="0"/>
+            <a:ext cx="2971800" cy="458788"/>
+          </a:xfrm>
+          <a:prstGeom prst="rect">
+            <a:avLst/>
+          </a:prstGeom>
+        </p:spPr>
+        <p:txBody>
+          <a:bodyPr vert="horz" lIns="91440" tIns="45720" rIns="91440" bIns="45720" rtlCol="0"/>
+          <a:lstStyle>
+            <a:lvl1pPr algn="l">
+              <a:defRPr sz="1200"/>
+            </a:lvl1pPr>
+          </a:lstStyle>
+          <a:p>
+            <a:endParaRPr lang="en-US"/>
+          </a:p>
+        </p:txBody>
+      </p:sp>
+      <p:sp>
+        <p:nvSpPr>
+          <p:cNvPr id="3" name="Date Placeholder 2"/>
+          <p:cNvSpPr>
+            <a:spLocks noGrp="1"/>
+          </p:cNvSpPr>
+          <p:nvPr>
+            <p:ph type="dt" idx="1"/>
+          </p:nvPr>
+        </p:nvSpPr>
+        <p:spPr>
+          <a:xfrm>
+            <a:off x="3884613" y="0"/>
+            <a:ext cx="2971800" cy="458788"/>
+          </a:xfrm>
+          <a:prstGeom prst="rect">
+            <a:avLst/>
+          </a:prstGeom>
+        </p:spPr>
+        <p:txBody>
+          <a:bodyPr vert="horz" lIns="91440" tIns="45720" rIns="91440" bIns="45720" rtlCol="0"/>
+          <a:lstStyle>
+            <a:lvl1pPr algn="r">
+              <a:defRPr sz="1200"/>
+            </a:lvl1pPr>
+          </a:lstStyle>
+          <a:p>
+            <a:fld id="{77DCD167-A011-8A45-8B58-2894DD77CD2D}" type="datetimeFigureOut">
+              <a:rPr lang="en-US" smtClean="0"/>
+              <a:t>4/5/17</a:t>
+            </a:fld>
+            <a:endParaRPr lang="en-US"/>
+          </a:p>
+        </p:txBody>
+      </p:sp>
+      <p:sp>
+        <p:nvSpPr>
+          <p:cNvPr id="4" name="Slide Image Placeholder 3"/>
+          <p:cNvSpPr>
+            <a:spLocks noGrp="1" noRot="1" noChangeAspect="1"/>
+          </p:cNvSpPr>
+          <p:nvPr>
+            <p:ph type="sldImg" idx="2"/>
+          </p:nvPr>
+        </p:nvSpPr>
+        <p:spPr>
+          <a:xfrm>
+            <a:off x="1371600" y="1143000"/>
+            <a:ext cx="4114800" cy="3086100"/>
+          </a:xfrm>
+          <a:prstGeom prst="rect">
+            <a:avLst/>
+          </a:prstGeom>
+          <a:noFill/>
+          <a:ln w="12700">
+            <a:solidFill>
+              <a:prstClr val="black"/>
+            </a:solidFill>
+          </a:ln>
+        </p:spPr>
+        <p:txBody>
+          <a:bodyPr vert="horz" lIns="91440" tIns="45720" rIns="91440" bIns="45720" rtlCol="0" anchor="ctr"/>
+          <a:lstStyle/>
+          <a:p>
+            <a:endParaRPr lang="en-US"/>
+          </a:p>
+        </p:txBody>
+      </p:sp>
+      <p:sp>
+        <p:nvSpPr>
+          <p:cNvPr id="5" name="Notes Placeholder 4"/>
+          <p:cNvSpPr>
+            <a:spLocks noGrp="1"/>
+          </p:cNvSpPr>
+          <p:nvPr>
+            <p:ph type="body" sz="quarter" idx="3"/>
+          </p:nvPr>
+        </p:nvSpPr>
+        <p:spPr>
+          <a:xfrm>
+            <a:off x="685800" y="4400550"/>
+            <a:ext cx="5486400" cy="3600450"/>
+          </a:xfrm>
+          <a:prstGeom prst="rect">
+            <a:avLst/>
+          </a:prstGeom>
+        </p:spPr>
+        <p:txBody>
+          <a:bodyPr vert="horz" lIns="91440" tIns="45720" rIns="91440" bIns="45720" rtlCol="0"/>
+          <a:lstStyle/>
+          <a:p>
+            <a:pPr lvl="0"/>
+            <a:r>
+              <a:rPr lang="en-US" smtClean="0"/>
+              <a:t>Click to edit Master text styles</a:t>
+            </a:r>
+          </a:p>
+          <a:p>
+            <a:pPr lvl="1"/>
+            <a:r>
+              <a:rPr lang="en-US" smtClean="0"/>
+              <a:t>Second level</a:t>
+            </a:r>
+          </a:p>
+          <a:p>
+            <a:pPr lvl="2"/>
+            <a:r>
+              <a:rPr lang="en-US" smtClean="0"/>
+              <a:t>Third level</a:t>
+            </a:r>
+          </a:p>
+          <a:p>
+            <a:pPr lvl="3"/>
+            <a:r>
+              <a:rPr lang="en-US" smtClean="0"/>
+              <a:t>Fourth level</a:t>
+            </a:r>
+          </a:p>
+          <a:p>
+            <a:pPr lvl="4"/>
+            <a:r>
+              <a:rPr lang="en-US" smtClean="0"/>
+              <a:t>Fifth level</a:t>
+            </a:r>
+            <a:endParaRPr lang="en-US"/>
+          </a:p>
+        </p:txBody>
+      </p:sp>
+      <p:sp>
+        <p:nvSpPr>
+          <p:cNvPr id="6" name="Footer Placeholder 5"/>
+          <p:cNvSpPr>
+            <a:spLocks noGrp="1"/>
+          </p:cNvSpPr>
+          <p:nvPr>
+            <p:ph type="ftr" sz="quarter" idx="4"/>
+          </p:nvPr>
+        </p:nvSpPr>
+        <p:spPr>
+          <a:xfrm>
+            <a:off x="0" y="8685213"/>
+            <a:ext cx="2971800" cy="458787"/>
+          </a:xfrm>
+          <a:prstGeom prst="rect">
+            <a:avLst/>
+          </a:prstGeom>
+        </p:spPr>
+        <p:txBody>
+          <a:bodyPr vert="horz" lIns="91440" tIns="45720" rIns="91440" bIns="45720" rtlCol="0" anchor="b"/>
+          <a:lstStyle>
+            <a:lvl1pPr algn="l">
+              <a:defRPr sz="1200"/>
+            </a:lvl1pPr>
+          </a:lstStyle>
+          <a:p>
+            <a:endParaRPr lang="en-US"/>
+          </a:p>
+        </p:txBody>
+      </p:sp>
+      <p:sp>
+        <p:nvSpPr>
+          <p:cNvPr id="7" name="Slide Number Placeholder 6"/>
+          <p:cNvSpPr>
+            <a:spLocks noGrp="1"/>
+          </p:cNvSpPr>
+          <p:nvPr>
+            <p:ph type="sldNum" sz="quarter" idx="5"/>
+          </p:nvPr>
+        </p:nvSpPr>
+        <p:spPr>
+          <a:xfrm>
+            <a:off x="3884613" y="8685213"/>
+            <a:ext cx="2971800" cy="458787"/>
+          </a:xfrm>
+          <a:prstGeom prst="rect">
+            <a:avLst/>
+          </a:prstGeom>
+        </p:spPr>
+        <p:txBody>
+          <a:bodyPr vert="horz" lIns="91440" tIns="45720" rIns="91440" bIns="45720" rtlCol="0" anchor="b"/>
+          <a:lstStyle>
+            <a:lvl1pPr algn="r">
+              <a:defRPr sz="1200"/>
+            </a:lvl1pPr>
+          </a:lstStyle>
+          <a:p>
+            <a:fld id="{6F3FA4BC-AC0E-614D-AF63-152C29E77E87}" type="slidenum">
+              <a:rPr lang="en-US" smtClean="0"/>
+              <a:t>‹#›</a:t>
+            </a:fld>
+            <a:endParaRPr lang="en-US"/>
+          </a:p>
+        </p:txBody>
+      </p:sp>
+    </p:spTree>
+    <p:extLst>
+      <p:ext uri="{BB962C8B-B14F-4D97-AF65-F5344CB8AC3E}">
+        <p14:creationId xmlns:p14="http://schemas.microsoft.com/office/powerpoint/2010/main" val="1015681388"/>
+      </p:ext>
+    </p:extLst>
+  </p:cSld>
+  <p:clrMap bg1="lt1" tx1="dk1" bg2="lt2" tx2="dk2" accent1="accent1" accent2="accent2" accent3="accent3" accent4="accent4" accent5="accent5" accent6="accent6" hlink="hlink" folHlink="folHlink"/>
+  <p:notesStyle>
+    <a:lvl1pPr marL="0" algn="l" defTabSz="914400" rtl="0" eaLnBrk="1" latinLnBrk="0" hangingPunct="1">
+      <a:defRPr sz="1200" kern="1200">
+        <a:solidFill>
+          <a:schemeClr val="tx1"/>
+        </a:solidFill>
+        <a:latin typeface="+mn-lt"/>
+        <a:ea typeface="+mn-ea"/>
+        <a:cs typeface="+mn-cs"/>
+      </a:defRPr>
+    </a:lvl1pPr>
+    <a:lvl2pPr marL="457200" algn="l" defTabSz="914400" rtl="0" eaLnBrk="1" latinLnBrk="0" hangingPunct="1">
+      <a:defRPr sz="1200" kern="1200">
+        <a:solidFill>
+          <a:schemeClr val="tx1"/>
+        </a:solidFill>
+        <a:latin typeface="+mn-lt"/>
+        <a:ea typeface="+mn-ea"/>
+        <a:cs typeface="+mn-cs"/>
+      </a:defRPr>
+    </a:lvl2pPr>
+    <a:lvl3pPr marL="914400" algn="l" defTabSz="914400" rtl="0" eaLnBrk="1" latinLnBrk="0" hangingPunct="1">
+      <a:defRPr sz="1200" kern="1200">
+        <a:solidFill>
+          <a:schemeClr val="tx1"/>
+        </a:solidFill>
+        <a:latin typeface="+mn-lt"/>
+        <a:ea typeface="+mn-ea"/>
+        <a:cs typeface="+mn-cs"/>
+      </a:defRPr>
+    </a:lvl3pPr>
+    <a:lvl4pPr marL="1371600" algn="l" defTabSz="914400" rtl="0" eaLnBrk="1" latinLnBrk="0" hangingPunct="1">
+      <a:defRPr sz="1200" kern="1200">
+        <a:solidFill>
+          <a:schemeClr val="tx1"/>
+        </a:solidFill>
+        <a:latin typeface="+mn-lt"/>
+        <a:ea typeface="+mn-ea"/>
+        <a:cs typeface="+mn-cs"/>
+      </a:defRPr>
+    </a:lvl4pPr>
+    <a:lvl5pPr marL="1828800" algn="l" defTabSz="914400" rtl="0" eaLnBrk="1" latinLnBrk="0" hangingPunct="1">
+      <a:defRPr sz="1200" kern="1200">
+        <a:solidFill>
+          <a:schemeClr val="tx1"/>
+        </a:solidFill>
+        <a:latin typeface="+mn-lt"/>
+        <a:ea typeface="+mn-ea"/>
+        <a:cs typeface="+mn-cs"/>
+      </a:defRPr>
+    </a:lvl5pPr>
+    <a:lvl6pPr marL="2286000" algn="l" defTabSz="914400" rtl="0" eaLnBrk="1" latinLnBrk="0" hangingPunct="1">
+      <a:defRPr sz="1200" kern="1200">
+        <a:solidFill>
+          <a:schemeClr val="tx1"/>
+        </a:solidFill>
+        <a:latin typeface="+mn-lt"/>
+        <a:ea typeface="+mn-ea"/>
+        <a:cs typeface="+mn-cs"/>
+      </a:defRPr>
+    </a:lvl6pPr>
+    <a:lvl7pPr marL="2743200" algn="l" defTabSz="914400" rtl="0" eaLnBrk="1" latinLnBrk="0" hangingPunct="1">
+      <a:defRPr sz="1200" kern="1200">
+        <a:solidFill>
+          <a:schemeClr val="tx1"/>
+        </a:solidFill>
+        <a:latin typeface="+mn-lt"/>
+        <a:ea typeface="+mn-ea"/>
+        <a:cs typeface="+mn-cs"/>
+      </a:defRPr>
+    </a:lvl7pPr>
+    <a:lvl8pPr marL="3200400" algn="l" defTabSz="914400" rtl="0" eaLnBrk="1" latinLnBrk="0" hangingPunct="1">
+      <a:defRPr sz="1200" kern="1200">
+        <a:solidFill>
+          <a:schemeClr val="tx1"/>
+        </a:solidFill>
+        <a:latin typeface="+mn-lt"/>
+        <a:ea typeface="+mn-ea"/>
+        <a:cs typeface="+mn-cs"/>
+      </a:defRPr>
+    </a:lvl8pPr>
+    <a:lvl9pPr marL="3657600" algn="l" defTabSz="914400" rtl="0" eaLnBrk="1" latinLnBrk="0" hangingPunct="1">
+      <a:defRPr sz="1200" kern="1200">
+        <a:solidFill>
+          <a:schemeClr val="tx1"/>
+        </a:solidFill>
+        <a:latin typeface="+mn-lt"/>
+        <a:ea typeface="+mn-ea"/>
+        <a:cs typeface="+mn-cs"/>
+      </a:defRPr>
+    </a:lvl9pPr>
+  </p:notesStyle>
+</p:notesMaster>
+</file>
+
 <file path=ppt/slideLayouts/slideLayout1.xml><?xml version="1.0" encoding="utf-8"?>
 <p:sldLayout xmlns:a="http://schemas.openxmlformats.org/drawingml/2006/main" xmlns:r="http://schemas.openxmlformats.org/officeDocument/2006/relationships" xmlns:p="http://schemas.openxmlformats.org/presentationml/2006/main" type="title" preserve="1">
   <p:cSld name="Title Slide">
@@ -313,7 +665,7 @@
           <a:p>
             <a:fld id="{3EA744D9-3FBE-48D8-BF2A-85DF203E4D20}" type="datetimeFigureOut">
               <a:rPr lang="bg-BG" smtClean="0"/>
-              <a:t>3.4.2017 г.</a:t>
+              <a:t>5.04.17 г.</a:t>
             </a:fld>
             <a:endParaRPr lang="bg-BG"/>
           </a:p>
@@ -483,7 +835,7 @@
           <a:p>
             <a:fld id="{3EA744D9-3FBE-48D8-BF2A-85DF203E4D20}" type="datetimeFigureOut">
               <a:rPr lang="bg-BG" smtClean="0"/>
-              <a:t>3.4.2017 г.</a:t>
+              <a:t>5.04.17 г.</a:t>
             </a:fld>
             <a:endParaRPr lang="bg-BG"/>
           </a:p>
@@ -663,7 +1015,7 @@
           <a:p>
             <a:fld id="{3EA744D9-3FBE-48D8-BF2A-85DF203E4D20}" type="datetimeFigureOut">
               <a:rPr lang="bg-BG" smtClean="0"/>
-              <a:t>3.4.2017 г.</a:t>
+              <a:t>5.04.17 г.</a:t>
             </a:fld>
             <a:endParaRPr lang="bg-BG"/>
           </a:p>
@@ -833,7 +1185,7 @@
           <a:p>
             <a:fld id="{3EA744D9-3FBE-48D8-BF2A-85DF203E4D20}" type="datetimeFigureOut">
               <a:rPr lang="bg-BG" smtClean="0"/>
-              <a:t>3.4.2017 г.</a:t>
+              <a:t>5.04.17 г.</a:t>
             </a:fld>
             <a:endParaRPr lang="bg-BG"/>
           </a:p>
@@ -1079,7 +1431,7 @@
           <a:p>
             <a:fld id="{3EA744D9-3FBE-48D8-BF2A-85DF203E4D20}" type="datetimeFigureOut">
               <a:rPr lang="bg-BG" smtClean="0"/>
-              <a:t>3.4.2017 г.</a:t>
+              <a:t>5.04.17 г.</a:t>
             </a:fld>
             <a:endParaRPr lang="bg-BG"/>
           </a:p>
@@ -1367,7 +1719,7 @@
           <a:p>
             <a:fld id="{3EA744D9-3FBE-48D8-BF2A-85DF203E4D20}" type="datetimeFigureOut">
               <a:rPr lang="bg-BG" smtClean="0"/>
-              <a:t>3.4.2017 г.</a:t>
+              <a:t>5.04.17 г.</a:t>
             </a:fld>
             <a:endParaRPr lang="bg-BG"/>
           </a:p>
@@ -1789,7 +2141,7 @@
           <a:p>
             <a:fld id="{3EA744D9-3FBE-48D8-BF2A-85DF203E4D20}" type="datetimeFigureOut">
               <a:rPr lang="bg-BG" smtClean="0"/>
-              <a:t>3.4.2017 г.</a:t>
+              <a:t>5.04.17 г.</a:t>
             </a:fld>
             <a:endParaRPr lang="bg-BG"/>
           </a:p>
@@ -1907,7 +2259,7 @@
           <a:p>
             <a:fld id="{3EA744D9-3FBE-48D8-BF2A-85DF203E4D20}" type="datetimeFigureOut">
               <a:rPr lang="bg-BG" smtClean="0"/>
-              <a:t>3.4.2017 г.</a:t>
+              <a:t>5.04.17 г.</a:t>
             </a:fld>
             <a:endParaRPr lang="bg-BG"/>
           </a:p>
@@ -2002,7 +2354,7 @@
           <a:p>
             <a:fld id="{3EA744D9-3FBE-48D8-BF2A-85DF203E4D20}" type="datetimeFigureOut">
               <a:rPr lang="bg-BG" smtClean="0"/>
-              <a:t>3.4.2017 г.</a:t>
+              <a:t>5.04.17 г.</a:t>
             </a:fld>
             <a:endParaRPr lang="bg-BG"/>
           </a:p>
@@ -2279,7 +2631,7 @@
           <a:p>
             <a:fld id="{3EA744D9-3FBE-48D8-BF2A-85DF203E4D20}" type="datetimeFigureOut">
               <a:rPr lang="bg-BG" smtClean="0"/>
-              <a:t>3.4.2017 г.</a:t>
+              <a:t>5.04.17 г.</a:t>
             </a:fld>
             <a:endParaRPr lang="bg-BG"/>
           </a:p>
@@ -2532,7 +2884,7 @@
           <a:p>
             <a:fld id="{3EA744D9-3FBE-48D8-BF2A-85DF203E4D20}" type="datetimeFigureOut">
               <a:rPr lang="bg-BG" smtClean="0"/>
-              <a:t>3.4.2017 г.</a:t>
+              <a:t>5.04.17 г.</a:t>
             </a:fld>
             <a:endParaRPr lang="bg-BG"/>
           </a:p>
@@ -2754,7 +3106,7 @@
           <a:p>
             <a:fld id="{3EA744D9-3FBE-48D8-BF2A-85DF203E4D20}" type="datetimeFigureOut">
               <a:rPr lang="bg-BG" smtClean="0"/>
-              <a:t>3.4.2017 г.</a:t>
+              <a:t>5.04.17 г.</a:t>
             </a:fld>
             <a:endParaRPr lang="bg-BG"/>
           </a:p>
@@ -3262,608 +3614,7 @@
 </p:sld>
 </file>
 
-<file path=ppt/slides/slide10.xml><?xml version="1.0" encoding="utf-8"?>
-<p:sld xmlns:a="http://schemas.openxmlformats.org/drawingml/2006/main" xmlns:r="http://schemas.openxmlformats.org/officeDocument/2006/relationships" xmlns:p="http://schemas.openxmlformats.org/presentationml/2006/main">
-  <p:cSld>
-    <p:spTree>
-      <p:nvGrpSpPr>
-        <p:cNvPr id="1" name=""/>
-        <p:cNvGrpSpPr/>
-        <p:nvPr/>
-      </p:nvGrpSpPr>
-      <p:grpSpPr>
-        <a:xfrm>
-          <a:off x="0" y="0"/>
-          <a:ext cx="0" cy="0"/>
-          <a:chOff x="0" y="0"/>
-          <a:chExt cx="0" cy="0"/>
-        </a:xfrm>
-      </p:grpSpPr>
-      <p:sp>
-        <p:nvSpPr>
-          <p:cNvPr id="2" name="Title 1"/>
-          <p:cNvSpPr>
-            <a:spLocks noGrp="1"/>
-          </p:cNvSpPr>
-          <p:nvPr>
-            <p:ph type="title"/>
-          </p:nvPr>
-        </p:nvSpPr>
-        <p:spPr>
-          <a:xfrm>
-            <a:off x="762000" y="706437"/>
-            <a:ext cx="8229600" cy="1143000"/>
-          </a:xfrm>
-        </p:spPr>
-        <p:txBody>
-          <a:bodyPr>
-            <a:normAutofit fontScale="90000"/>
-          </a:bodyPr>
-          <a:lstStyle/>
-          <a:p>
-            <a:pPr algn="l"/>
-            <a:r>
-              <a:rPr lang="en-US" dirty="0" smtClean="0">
-                <a:solidFill>
-                  <a:schemeClr val="accent6"/>
-                </a:solidFill>
-              </a:rPr>
-              <a:t>VIM =&gt; command line universal text editor for Linux/Unix hosts.</a:t>
-            </a:r>
-            <a:endParaRPr lang="bg-BG" dirty="0">
-              <a:solidFill>
-                <a:schemeClr val="accent6"/>
-              </a:solidFill>
-            </a:endParaRPr>
-          </a:p>
-        </p:txBody>
-      </p:sp>
-      <p:sp>
-        <p:nvSpPr>
-          <p:cNvPr id="3" name="Content Placeholder 2"/>
-          <p:cNvSpPr>
-            <a:spLocks noGrp="1"/>
-          </p:cNvSpPr>
-          <p:nvPr>
-            <p:ph idx="1"/>
-          </p:nvPr>
-        </p:nvSpPr>
-        <p:spPr>
-          <a:xfrm>
-            <a:off x="762000" y="1676400"/>
-            <a:ext cx="6400800" cy="4525963"/>
-          </a:xfrm>
-        </p:spPr>
-        <p:txBody>
-          <a:bodyPr/>
-          <a:lstStyle/>
-          <a:p>
-            <a:pPr marL="0" indent="0">
-              <a:buNone/>
-            </a:pPr>
-            <a:endParaRPr lang="en-US" dirty="0" smtClean="0">
-              <a:solidFill>
-                <a:schemeClr val="bg1">
-                  <a:lumMod val="95000"/>
-                </a:schemeClr>
-              </a:solidFill>
-            </a:endParaRPr>
-          </a:p>
-          <a:p>
-            <a:pPr marL="0" indent="0">
-              <a:buNone/>
-            </a:pPr>
-            <a:endParaRPr lang="en-US" dirty="0">
-              <a:solidFill>
-                <a:schemeClr val="bg1">
-                  <a:lumMod val="95000"/>
-                </a:schemeClr>
-              </a:solidFill>
-            </a:endParaRPr>
-          </a:p>
-          <a:p>
-            <a:pPr marL="0" indent="0">
-              <a:buNone/>
-            </a:pPr>
-            <a:endParaRPr lang="en-US" dirty="0" smtClean="0">
-              <a:solidFill>
-                <a:schemeClr val="bg1">
-                  <a:lumMod val="95000"/>
-                </a:schemeClr>
-              </a:solidFill>
-            </a:endParaRPr>
-          </a:p>
-          <a:p>
-            <a:pPr marL="0" indent="0">
-              <a:buNone/>
-            </a:pPr>
-            <a:endParaRPr lang="en-US" dirty="0">
-              <a:solidFill>
-                <a:schemeClr val="bg1">
-                  <a:lumMod val="95000"/>
-                </a:schemeClr>
-              </a:solidFill>
-            </a:endParaRPr>
-          </a:p>
-          <a:p>
-            <a:pPr marL="0" indent="0">
-              <a:buNone/>
-            </a:pPr>
-            <a:endParaRPr lang="en-US" dirty="0" smtClean="0">
-              <a:solidFill>
-                <a:schemeClr val="bg1">
-                  <a:lumMod val="95000"/>
-                </a:schemeClr>
-              </a:solidFill>
-            </a:endParaRPr>
-          </a:p>
-          <a:p>
-            <a:pPr marL="514350" indent="-514350">
-              <a:buAutoNum type="arabicPeriod"/>
-            </a:pPr>
-            <a:r>
-              <a:rPr lang="en-US" dirty="0" smtClean="0">
-                <a:solidFill>
-                  <a:srgbClr val="FF0000"/>
-                </a:solidFill>
-              </a:rPr>
-              <a:t>Exercises/Homework:</a:t>
-            </a:r>
-          </a:p>
-          <a:p>
-            <a:pPr marL="0" indent="0">
-              <a:buNone/>
-            </a:pPr>
-            <a:r>
-              <a:rPr lang="en-US" dirty="0" smtClean="0">
-                <a:solidFill>
-                  <a:schemeClr val="bg1">
-                    <a:lumMod val="95000"/>
-                  </a:schemeClr>
-                </a:solidFill>
-              </a:rPr>
-              <a:t>Start and finish the ‘</a:t>
-            </a:r>
-            <a:r>
-              <a:rPr lang="en-US" dirty="0" err="1" smtClean="0">
-                <a:solidFill>
-                  <a:schemeClr val="bg1">
-                    <a:lumMod val="95000"/>
-                  </a:schemeClr>
-                </a:solidFill>
-              </a:rPr>
-              <a:t>vimtutor</a:t>
-            </a:r>
-            <a:r>
-              <a:rPr lang="en-US" dirty="0" smtClean="0">
-                <a:solidFill>
-                  <a:schemeClr val="bg1">
-                    <a:lumMod val="95000"/>
-                  </a:schemeClr>
-                </a:solidFill>
-              </a:rPr>
-              <a:t>’</a:t>
-            </a:r>
-            <a:endParaRPr lang="bg-BG" dirty="0">
-              <a:solidFill>
-                <a:schemeClr val="bg1">
-                  <a:lumMod val="95000"/>
-                </a:schemeClr>
-              </a:solidFill>
-            </a:endParaRPr>
-          </a:p>
-        </p:txBody>
-      </p:sp>
-      <p:pic>
-        <p:nvPicPr>
-          <p:cNvPr id="4" name="Picture 3"/>
-          <p:cNvPicPr>
-            <a:picLocks noChangeAspect="1"/>
-          </p:cNvPicPr>
-          <p:nvPr/>
-        </p:nvPicPr>
-        <p:blipFill>
-          <a:blip r:embed="rId2" cstate="print">
-            <a:extLst>
-              <a:ext uri="{28A0092B-C50C-407E-A947-70E740481C1C}">
-                <a14:useLocalDpi xmlns:a14="http://schemas.microsoft.com/office/drawing/2010/main" val="0"/>
-              </a:ext>
-            </a:extLst>
-          </a:blip>
-          <a:stretch>
-            <a:fillRect/>
-          </a:stretch>
-        </p:blipFill>
-        <p:spPr>
-          <a:xfrm>
-            <a:off x="685800" y="1849437"/>
-            <a:ext cx="2286000" cy="2286000"/>
-          </a:xfrm>
-          <a:prstGeom prst="rect">
-            <a:avLst/>
-          </a:prstGeom>
-        </p:spPr>
-      </p:pic>
-    </p:spTree>
-    <p:extLst>
-      <p:ext uri="{BB962C8B-B14F-4D97-AF65-F5344CB8AC3E}">
-        <p14:creationId xmlns:p14="http://schemas.microsoft.com/office/powerpoint/2010/main" val="2910363039"/>
-      </p:ext>
-    </p:extLst>
-  </p:cSld>
-  <p:clrMapOvr>
-    <a:masterClrMapping/>
-  </p:clrMapOvr>
-  <p:timing>
-    <p:tnLst>
-      <p:par>
-        <p:cTn id="1" dur="indefinite" restart="never" nodeType="tmRoot"/>
-      </p:par>
-    </p:tnLst>
-  </p:timing>
-</p:sld>
-</file>
-
 <file path=ppt/slides/slide2.xml><?xml version="1.0" encoding="utf-8"?>
-<p:sld xmlns:a="http://schemas.openxmlformats.org/drawingml/2006/main" xmlns:r="http://schemas.openxmlformats.org/officeDocument/2006/relationships" xmlns:p="http://schemas.openxmlformats.org/presentationml/2006/main">
-  <p:cSld>
-    <p:spTree>
-      <p:nvGrpSpPr>
-        <p:cNvPr id="1" name=""/>
-        <p:cNvGrpSpPr/>
-        <p:nvPr/>
-      </p:nvGrpSpPr>
-      <p:grpSpPr>
-        <a:xfrm>
-          <a:off x="0" y="0"/>
-          <a:ext cx="0" cy="0"/>
-          <a:chOff x="0" y="0"/>
-          <a:chExt cx="0" cy="0"/>
-        </a:xfrm>
-      </p:grpSpPr>
-      <p:sp>
-        <p:nvSpPr>
-          <p:cNvPr id="2" name="Title 1"/>
-          <p:cNvSpPr>
-            <a:spLocks noGrp="1"/>
-          </p:cNvSpPr>
-          <p:nvPr>
-            <p:ph type="title"/>
-          </p:nvPr>
-        </p:nvSpPr>
-        <p:spPr/>
-        <p:txBody>
-          <a:bodyPr>
-            <a:normAutofit fontScale="90000"/>
-          </a:bodyPr>
-          <a:lstStyle/>
-          <a:p>
-            <a:r>
-              <a:rPr lang="en-US" dirty="0" smtClean="0">
-                <a:solidFill>
-                  <a:schemeClr val="accent6"/>
-                </a:solidFill>
-              </a:rPr>
-              <a:t/>
-            </a:r>
-            <a:br>
-              <a:rPr lang="en-US" dirty="0" smtClean="0">
-                <a:solidFill>
-                  <a:schemeClr val="accent6"/>
-                </a:solidFill>
-              </a:rPr>
-            </a:br>
-            <a:r>
-              <a:rPr lang="en-US" dirty="0">
-                <a:solidFill>
-                  <a:schemeClr val="accent6"/>
-                </a:solidFill>
-              </a:rPr>
-              <a:t/>
-            </a:r>
-            <a:br>
-              <a:rPr lang="en-US" dirty="0">
-                <a:solidFill>
-                  <a:schemeClr val="accent6"/>
-                </a:solidFill>
-              </a:rPr>
-            </a:br>
-            <a:r>
-              <a:rPr lang="en-US" dirty="0" smtClean="0">
-                <a:solidFill>
-                  <a:schemeClr val="accent6"/>
-                </a:solidFill>
-              </a:rPr>
-              <a:t/>
-            </a:r>
-            <a:br>
-              <a:rPr lang="en-US" dirty="0" smtClean="0">
-                <a:solidFill>
-                  <a:schemeClr val="accent6"/>
-                </a:solidFill>
-              </a:rPr>
-            </a:br>
-            <a:r>
-              <a:rPr lang="en-US" dirty="0">
-                <a:solidFill>
-                  <a:schemeClr val="accent6"/>
-                </a:solidFill>
-              </a:rPr>
-              <a:t/>
-            </a:r>
-            <a:br>
-              <a:rPr lang="en-US" dirty="0">
-                <a:solidFill>
-                  <a:schemeClr val="accent6"/>
-                </a:solidFill>
-              </a:rPr>
-            </a:br>
-            <a:r>
-              <a:rPr lang="en-US" dirty="0" smtClean="0">
-                <a:solidFill>
-                  <a:schemeClr val="accent6"/>
-                </a:solidFill>
-              </a:rPr>
-              <a:t/>
-            </a:r>
-            <a:br>
-              <a:rPr lang="en-US" dirty="0" smtClean="0">
-                <a:solidFill>
-                  <a:schemeClr val="accent6"/>
-                </a:solidFill>
-              </a:rPr>
-            </a:br>
-            <a:r>
-              <a:rPr lang="en-US" dirty="0" smtClean="0">
-                <a:solidFill>
-                  <a:schemeClr val="accent6"/>
-                </a:solidFill>
-              </a:rPr>
-              <a:t/>
-            </a:r>
-            <a:br>
-              <a:rPr lang="en-US" dirty="0" smtClean="0">
-                <a:solidFill>
-                  <a:schemeClr val="accent6"/>
-                </a:solidFill>
-              </a:rPr>
-            </a:br>
-            <a:r>
-              <a:rPr lang="en-US" dirty="0">
-                <a:solidFill>
-                  <a:schemeClr val="accent6"/>
-                </a:solidFill>
-              </a:rPr>
-              <a:t/>
-            </a:r>
-            <a:br>
-              <a:rPr lang="en-US" dirty="0">
-                <a:solidFill>
-                  <a:schemeClr val="accent6"/>
-                </a:solidFill>
-              </a:rPr>
-            </a:br>
-            <a:r>
-              <a:rPr lang="en-US" dirty="0" smtClean="0">
-                <a:solidFill>
-                  <a:schemeClr val="accent6"/>
-                </a:solidFill>
-              </a:rPr>
-              <a:t/>
-            </a:r>
-            <a:br>
-              <a:rPr lang="en-US" dirty="0" smtClean="0">
-                <a:solidFill>
-                  <a:schemeClr val="accent6"/>
-                </a:solidFill>
-              </a:rPr>
-            </a:br>
-            <a:r>
-              <a:rPr lang="en-US" dirty="0">
-                <a:solidFill>
-                  <a:schemeClr val="accent6"/>
-                </a:solidFill>
-              </a:rPr>
-              <a:t/>
-            </a:r>
-            <a:br>
-              <a:rPr lang="en-US" dirty="0">
-                <a:solidFill>
-                  <a:schemeClr val="accent6"/>
-                </a:solidFill>
-              </a:rPr>
-            </a:br>
-            <a:r>
-              <a:rPr lang="en-US" dirty="0" smtClean="0">
-                <a:solidFill>
-                  <a:schemeClr val="accent6"/>
-                </a:solidFill>
-              </a:rPr>
-              <a:t>History </a:t>
-            </a:r>
-            <a:r>
-              <a:rPr lang="en-US" dirty="0">
-                <a:solidFill>
-                  <a:schemeClr val="accent6"/>
-                </a:solidFill>
-              </a:rPr>
-              <a:t>of Linux</a:t>
-            </a:r>
-            <a:br>
-              <a:rPr lang="en-US" dirty="0">
-                <a:solidFill>
-                  <a:schemeClr val="accent6"/>
-                </a:solidFill>
-              </a:rPr>
-            </a:br>
-            <a:r>
-              <a:rPr lang="en-US" dirty="0" smtClean="0">
-                <a:solidFill>
-                  <a:schemeClr val="accent6"/>
-                </a:solidFill>
-              </a:rPr>
-              <a:t/>
-            </a:r>
-            <a:br>
-              <a:rPr lang="en-US" dirty="0" smtClean="0">
-                <a:solidFill>
-                  <a:schemeClr val="accent6"/>
-                </a:solidFill>
-              </a:rPr>
-            </a:br>
-            <a:r>
-              <a:rPr lang="en-US" sz="2000" dirty="0" smtClean="0">
-                <a:solidFill>
-                  <a:schemeClr val="accent6"/>
-                </a:solidFill>
-              </a:rPr>
-              <a:t>In </a:t>
-            </a:r>
-            <a:r>
-              <a:rPr lang="en-US" sz="2000" dirty="0">
-                <a:solidFill>
-                  <a:schemeClr val="accent6"/>
-                </a:solidFill>
-              </a:rPr>
-              <a:t>order to understand the popularity of Linux, we need to travel back in time, about 30 years ago. </a:t>
-            </a:r>
-            <a:r>
-              <a:rPr lang="en-US" sz="2000" dirty="0" smtClean="0">
-                <a:solidFill>
-                  <a:schemeClr val="accent6"/>
-                </a:solidFill>
-              </a:rPr>
-              <a:t>Every </a:t>
-            </a:r>
-            <a:r>
-              <a:rPr lang="en-US" sz="2000" dirty="0">
-                <a:solidFill>
-                  <a:schemeClr val="accent6"/>
-                </a:solidFill>
-              </a:rPr>
-              <a:t>computer had a different operating system. Software was always customized to serve a specific purpose, and software for one given system didn't run on another </a:t>
-            </a:r>
-            <a:r>
-              <a:rPr lang="en-US" sz="2000" dirty="0" smtClean="0">
-                <a:solidFill>
-                  <a:schemeClr val="accent6"/>
-                </a:solidFill>
-              </a:rPr>
-              <a:t>system.</a:t>
-            </a:r>
-            <a:br>
-              <a:rPr lang="en-US" sz="2000" dirty="0" smtClean="0">
-                <a:solidFill>
-                  <a:schemeClr val="accent6"/>
-                </a:solidFill>
-              </a:rPr>
-            </a:br>
-            <a:r>
-              <a:rPr lang="en-US" sz="2000" dirty="0" smtClean="0">
-                <a:solidFill>
-                  <a:schemeClr val="accent6"/>
-                </a:solidFill>
-              </a:rPr>
-              <a:t/>
-            </a:r>
-            <a:br>
-              <a:rPr lang="en-US" sz="2000" dirty="0" smtClean="0">
-                <a:solidFill>
-                  <a:schemeClr val="accent6"/>
-                </a:solidFill>
-              </a:rPr>
-            </a:br>
-            <a:r>
-              <a:rPr lang="en-US" sz="2000" dirty="0" smtClean="0">
-                <a:solidFill>
-                  <a:schemeClr val="accent6"/>
-                </a:solidFill>
-              </a:rPr>
-              <a:t>In 1969, a team of developers in the Bell Labs laboratories started working on a solution. =&gt; “UNIX”. It was initially found only in very large environments with mainframes. You had to work at a university, for government … Smaller computer were being developed, and by the end of the 80’s, many people had home computers. None of the UNIX versions were truly free and they were terribly slow.</a:t>
-            </a:r>
-            <a:br>
-              <a:rPr lang="en-US" sz="2000" dirty="0" smtClean="0">
-                <a:solidFill>
-                  <a:schemeClr val="accent6"/>
-                </a:solidFill>
-              </a:rPr>
-            </a:br>
-            <a:r>
-              <a:rPr lang="en-US" sz="2000" dirty="0" smtClean="0">
-                <a:solidFill>
-                  <a:schemeClr val="accent6"/>
-                </a:solidFill>
-              </a:rPr>
-              <a:t/>
-            </a:r>
-            <a:br>
-              <a:rPr lang="en-US" sz="2000" dirty="0" smtClean="0">
-                <a:solidFill>
-                  <a:schemeClr val="accent6"/>
-                </a:solidFill>
-              </a:rPr>
-            </a:br>
-            <a:r>
-              <a:rPr lang="en-US" sz="2000" dirty="0">
-                <a:solidFill>
-                  <a:schemeClr val="accent6"/>
-                </a:solidFill>
-              </a:rPr>
-              <a:t/>
-            </a:r>
-            <a:br>
-              <a:rPr lang="en-US" sz="2000" dirty="0">
-                <a:solidFill>
-                  <a:schemeClr val="accent6"/>
-                </a:solidFill>
-              </a:rPr>
-            </a:br>
-            <a:endParaRPr lang="en-US" sz="2000" dirty="0">
-              <a:solidFill>
-                <a:schemeClr val="accent6"/>
-              </a:solidFill>
-            </a:endParaRPr>
-          </a:p>
-        </p:txBody>
-      </p:sp>
-      <p:sp>
-        <p:nvSpPr>
-          <p:cNvPr id="3" name="Content Placeholder 2"/>
-          <p:cNvSpPr>
-            <a:spLocks noGrp="1"/>
-          </p:cNvSpPr>
-          <p:nvPr>
-            <p:ph idx="1"/>
-          </p:nvPr>
-        </p:nvSpPr>
-        <p:spPr/>
-        <p:txBody>
-          <a:bodyPr>
-            <a:normAutofit/>
-          </a:bodyPr>
-          <a:lstStyle/>
-          <a:p>
-            <a:pPr marL="0" indent="0">
-              <a:buNone/>
-            </a:pPr>
-            <a:endParaRPr lang="en-US" dirty="0"/>
-          </a:p>
-        </p:txBody>
-      </p:sp>
-    </p:spTree>
-    <p:extLst>
-      <p:ext uri="{BB962C8B-B14F-4D97-AF65-F5344CB8AC3E}">
-        <p14:creationId xmlns:p14="http://schemas.microsoft.com/office/powerpoint/2010/main" val="3912634524"/>
-      </p:ext>
-    </p:extLst>
-  </p:cSld>
-  <p:clrMapOvr>
-    <a:masterClrMapping/>
-  </p:clrMapOvr>
-</p:sld>
-</file>
-
-<file path=ppt/slides/slide3.xml><?xml version="1.0" encoding="utf-8"?>
 <p:sld xmlns:a="http://schemas.openxmlformats.org/drawingml/2006/main" xmlns:r="http://schemas.openxmlformats.org/officeDocument/2006/relationships" xmlns:p="http://schemas.openxmlformats.org/presentationml/2006/main">
   <p:cSld>
     <p:spTree>
@@ -4023,7 +3774,7 @@
 </p:sld>
 </file>
 
-<file path=ppt/slides/slide4.xml><?xml version="1.0" encoding="utf-8"?>
+<file path=ppt/slides/slide3.xml><?xml version="1.0" encoding="utf-8"?>
 <p:sld xmlns:a="http://schemas.openxmlformats.org/drawingml/2006/main" xmlns:r="http://schemas.openxmlformats.org/officeDocument/2006/relationships" xmlns:p="http://schemas.openxmlformats.org/presentationml/2006/main">
   <p:cSld>
     <p:spTree>
@@ -4101,7 +3852,7 @@
 </p:sld>
 </file>
 
-<file path=ppt/slides/slide5.xml><?xml version="1.0" encoding="utf-8"?>
+<file path=ppt/slides/slide4.xml><?xml version="1.0" encoding="utf-8"?>
 <p:sld xmlns:a="http://schemas.openxmlformats.org/drawingml/2006/main" xmlns:r="http://schemas.openxmlformats.org/officeDocument/2006/relationships" xmlns:p="http://schemas.openxmlformats.org/presentationml/2006/main">
   <p:cSld>
     <p:spTree>
@@ -4262,7 +4013,7 @@
 </p:sld>
 </file>
 
-<file path=ppt/slides/slide6.xml><?xml version="1.0" encoding="utf-8"?>
+<file path=ppt/slides/slide5.xml><?xml version="1.0" encoding="utf-8"?>
 <p:sld xmlns:a="http://schemas.openxmlformats.org/drawingml/2006/main" xmlns:r="http://schemas.openxmlformats.org/officeDocument/2006/relationships" xmlns:p="http://schemas.openxmlformats.org/presentationml/2006/main">
   <p:cSld>
     <p:spTree>
@@ -4537,7 +4288,7 @@
 </p:sld>
 </file>
 
-<file path=ppt/slides/slide7.xml><?xml version="1.0" encoding="utf-8"?>
+<file path=ppt/slides/slide6.xml><?xml version="1.0" encoding="utf-8"?>
 <p:sld xmlns:a="http://schemas.openxmlformats.org/drawingml/2006/main" xmlns:r="http://schemas.openxmlformats.org/officeDocument/2006/relationships" xmlns:p="http://schemas.openxmlformats.org/presentationml/2006/main">
   <p:cSld>
     <p:spTree>
@@ -4712,6 +4463,357 @@
 </p:sld>
 </file>
 
+<file path=ppt/slides/slide7.xml><?xml version="1.0" encoding="utf-8"?>
+<p:sld xmlns:a="http://schemas.openxmlformats.org/drawingml/2006/main" xmlns:r="http://schemas.openxmlformats.org/officeDocument/2006/relationships" xmlns:p="http://schemas.openxmlformats.org/presentationml/2006/main">
+  <p:cSld>
+    <p:spTree>
+      <p:nvGrpSpPr>
+        <p:cNvPr id="1" name=""/>
+        <p:cNvGrpSpPr/>
+        <p:nvPr/>
+      </p:nvGrpSpPr>
+      <p:grpSpPr>
+        <a:xfrm>
+          <a:off x="0" y="0"/>
+          <a:ext cx="0" cy="0"/>
+          <a:chOff x="0" y="0"/>
+          <a:chExt cx="0" cy="0"/>
+        </a:xfrm>
+      </p:grpSpPr>
+      <p:sp>
+        <p:nvSpPr>
+          <p:cNvPr id="2" name="Title 1"/>
+          <p:cNvSpPr>
+            <a:spLocks noGrp="1"/>
+          </p:cNvSpPr>
+          <p:nvPr>
+            <p:ph type="title"/>
+          </p:nvPr>
+        </p:nvSpPr>
+        <p:spPr>
+          <a:xfrm>
+            <a:off x="838200" y="685800"/>
+            <a:ext cx="8229600" cy="1143000"/>
+          </a:xfrm>
+        </p:spPr>
+        <p:txBody>
+          <a:bodyPr/>
+          <a:lstStyle/>
+          <a:p>
+            <a:pPr algn="l"/>
+            <a:r>
+              <a:rPr lang="en-US" dirty="0" smtClean="0">
+                <a:solidFill>
+                  <a:schemeClr val="accent6"/>
+                </a:solidFill>
+              </a:rPr>
+              <a:t>Basic shell commands</a:t>
+            </a:r>
+            <a:endParaRPr lang="bg-BG" dirty="0">
+              <a:solidFill>
+                <a:schemeClr val="accent6"/>
+              </a:solidFill>
+            </a:endParaRPr>
+          </a:p>
+        </p:txBody>
+      </p:sp>
+      <p:sp>
+        <p:nvSpPr>
+          <p:cNvPr id="3" name="Content Placeholder 2"/>
+          <p:cNvSpPr>
+            <a:spLocks noGrp="1"/>
+          </p:cNvSpPr>
+          <p:nvPr>
+            <p:ph idx="1"/>
+          </p:nvPr>
+        </p:nvSpPr>
+        <p:spPr>
+          <a:xfrm>
+            <a:off x="762000" y="1676400"/>
+            <a:ext cx="7620000" cy="4525963"/>
+          </a:xfrm>
+        </p:spPr>
+        <p:txBody>
+          <a:bodyPr>
+            <a:normAutofit fontScale="70000" lnSpcReduction="20000"/>
+          </a:bodyPr>
+          <a:lstStyle/>
+          <a:p>
+            <a:pPr>
+              <a:buFont typeface="Wingdings" panose="05000000000000000000" pitchFamily="2" charset="2"/>
+              <a:buChar char="§"/>
+            </a:pPr>
+            <a:r>
+              <a:rPr lang="en-US" dirty="0" err="1" smtClean="0">
+                <a:solidFill>
+                  <a:schemeClr val="bg1">
+                    <a:lumMod val="95000"/>
+                  </a:schemeClr>
+                </a:solidFill>
+              </a:rPr>
+              <a:t>pwd</a:t>
+            </a:r>
+            <a:r>
+              <a:rPr lang="en-US" dirty="0" smtClean="0">
+                <a:solidFill>
+                  <a:schemeClr val="bg1">
+                    <a:lumMod val="95000"/>
+                  </a:schemeClr>
+                </a:solidFill>
+              </a:rPr>
+              <a:t> =&gt; print working directory;</a:t>
+            </a:r>
+          </a:p>
+          <a:p>
+            <a:pPr>
+              <a:buFont typeface="Wingdings" panose="05000000000000000000" pitchFamily="2" charset="2"/>
+              <a:buChar char="§"/>
+            </a:pPr>
+            <a:r>
+              <a:rPr lang="en-US" dirty="0" smtClean="0">
+                <a:solidFill>
+                  <a:schemeClr val="bg1">
+                    <a:lumMod val="95000"/>
+                  </a:schemeClr>
+                </a:solidFill>
+              </a:rPr>
+              <a:t>ls =&gt; list the content of a directory;</a:t>
+            </a:r>
+          </a:p>
+          <a:p>
+            <a:pPr>
+              <a:buFont typeface="Wingdings" panose="05000000000000000000" pitchFamily="2" charset="2"/>
+              <a:buChar char="§"/>
+            </a:pPr>
+            <a:r>
+              <a:rPr lang="en-US" dirty="0" smtClean="0">
+                <a:solidFill>
+                  <a:schemeClr val="bg1">
+                    <a:lumMod val="95000"/>
+                  </a:schemeClr>
+                </a:solidFill>
+              </a:rPr>
+              <a:t>cat =&gt; print the content of a file;</a:t>
+            </a:r>
+          </a:p>
+          <a:p>
+            <a:pPr>
+              <a:buFont typeface="Wingdings" panose="05000000000000000000" pitchFamily="2" charset="2"/>
+              <a:buChar char="§"/>
+            </a:pPr>
+            <a:r>
+              <a:rPr lang="en-US" dirty="0" smtClean="0">
+                <a:solidFill>
+                  <a:schemeClr val="bg1">
+                    <a:lumMod val="95000"/>
+                  </a:schemeClr>
+                </a:solidFill>
+              </a:rPr>
+              <a:t>touch =&gt; create new file;</a:t>
+            </a:r>
+          </a:p>
+          <a:p>
+            <a:pPr>
+              <a:buFont typeface="Wingdings" panose="05000000000000000000" pitchFamily="2" charset="2"/>
+              <a:buChar char="§"/>
+            </a:pPr>
+            <a:r>
+              <a:rPr lang="en-US" dirty="0" smtClean="0">
+                <a:solidFill>
+                  <a:schemeClr val="bg1">
+                    <a:lumMod val="95000"/>
+                  </a:schemeClr>
+                </a:solidFill>
+              </a:rPr>
+              <a:t>cd =&gt; change directory;</a:t>
+            </a:r>
+          </a:p>
+          <a:p>
+            <a:pPr>
+              <a:buFont typeface="Wingdings" panose="05000000000000000000" pitchFamily="2" charset="2"/>
+              <a:buChar char="§"/>
+            </a:pPr>
+            <a:r>
+              <a:rPr lang="en-US" dirty="0" smtClean="0">
+                <a:solidFill>
+                  <a:schemeClr val="bg1">
+                    <a:lumMod val="95000"/>
+                  </a:schemeClr>
+                </a:solidFill>
+              </a:rPr>
+              <a:t>echo =&gt; display some content ;</a:t>
+            </a:r>
+          </a:p>
+          <a:p>
+            <a:pPr marL="0" indent="0">
+              <a:buNone/>
+            </a:pPr>
+            <a:r>
+              <a:rPr lang="en-US" dirty="0" smtClean="0">
+                <a:solidFill>
+                  <a:srgbClr val="FF0000"/>
+                </a:solidFill>
+              </a:rPr>
+              <a:t>Exercises:</a:t>
+            </a:r>
+            <a:endParaRPr lang="en-US" dirty="0">
+              <a:solidFill>
+                <a:srgbClr val="FF0000"/>
+              </a:solidFill>
+            </a:endParaRPr>
+          </a:p>
+          <a:p>
+            <a:pPr marL="514350" indent="-514350">
+              <a:buAutoNum type="arabicPeriod"/>
+            </a:pPr>
+            <a:r>
+              <a:rPr lang="en-US" dirty="0" smtClean="0">
+                <a:solidFill>
+                  <a:schemeClr val="bg1">
+                    <a:lumMod val="95000"/>
+                  </a:schemeClr>
+                </a:solidFill>
+              </a:rPr>
+              <a:t>Print your current working directory.</a:t>
+            </a:r>
+          </a:p>
+          <a:p>
+            <a:pPr marL="514350" indent="-514350">
+              <a:buAutoNum type="arabicPeriod"/>
+            </a:pPr>
+            <a:r>
+              <a:rPr lang="en-US" dirty="0" smtClean="0">
+                <a:solidFill>
+                  <a:schemeClr val="bg1">
+                    <a:lumMod val="95000"/>
+                  </a:schemeClr>
+                </a:solidFill>
+              </a:rPr>
+              <a:t>Go to the root directory.</a:t>
+            </a:r>
+          </a:p>
+          <a:p>
+            <a:pPr marL="514350" indent="-514350">
+              <a:buAutoNum type="arabicPeriod"/>
+            </a:pPr>
+            <a:r>
+              <a:rPr lang="en-US" dirty="0" smtClean="0">
+                <a:solidFill>
+                  <a:schemeClr val="bg1">
+                    <a:lumMod val="95000"/>
+                  </a:schemeClr>
+                </a:solidFill>
+              </a:rPr>
+              <a:t>Create a file there.</a:t>
+            </a:r>
+          </a:p>
+          <a:p>
+            <a:pPr marL="514350" indent="-514350">
+              <a:buAutoNum type="arabicPeriod"/>
+            </a:pPr>
+            <a:r>
+              <a:rPr lang="en-US" dirty="0" smtClean="0">
+                <a:solidFill>
+                  <a:schemeClr val="bg1">
+                    <a:lumMod val="95000"/>
+                  </a:schemeClr>
+                </a:solidFill>
+              </a:rPr>
+              <a:t>Print it’s content.</a:t>
+            </a:r>
+          </a:p>
+          <a:p>
+            <a:pPr marL="514350" indent="-514350">
+              <a:buAutoNum type="arabicPeriod"/>
+            </a:pPr>
+            <a:r>
+              <a:rPr lang="en-US" dirty="0" smtClean="0">
+                <a:solidFill>
+                  <a:schemeClr val="bg1">
+                    <a:lumMod val="95000"/>
+                  </a:schemeClr>
+                </a:solidFill>
+              </a:rPr>
+              <a:t>List the content of the root directory.</a:t>
+            </a:r>
+          </a:p>
+          <a:p>
+            <a:pPr marL="514350" indent="-514350">
+              <a:buAutoNum type="arabicPeriod"/>
+            </a:pPr>
+            <a:r>
+              <a:rPr lang="en-US" dirty="0" smtClean="0">
+                <a:solidFill>
+                  <a:schemeClr val="bg1">
+                    <a:lumMod val="95000"/>
+                  </a:schemeClr>
+                </a:solidFill>
+              </a:rPr>
+              <a:t>Display the string ‘I am </a:t>
+            </a:r>
+            <a:r>
+              <a:rPr lang="en-US" dirty="0" err="1" smtClean="0">
+                <a:solidFill>
+                  <a:schemeClr val="bg1">
+                    <a:lumMod val="95000"/>
+                  </a:schemeClr>
+                </a:solidFill>
+              </a:rPr>
+              <a:t>gonna</a:t>
+            </a:r>
+            <a:r>
+              <a:rPr lang="en-US" dirty="0" smtClean="0">
+                <a:solidFill>
+                  <a:schemeClr val="bg1">
+                    <a:lumMod val="95000"/>
+                  </a:schemeClr>
+                </a:solidFill>
+              </a:rPr>
+              <a:t> become a solid </a:t>
+            </a:r>
+            <a:r>
+              <a:rPr lang="en-US" dirty="0" err="1" smtClean="0">
+                <a:solidFill>
+                  <a:schemeClr val="bg1">
+                    <a:lumMod val="95000"/>
+                  </a:schemeClr>
+                </a:solidFill>
+              </a:rPr>
+              <a:t>linux</a:t>
+            </a:r>
+            <a:r>
+              <a:rPr lang="en-US" dirty="0" smtClean="0">
+                <a:solidFill>
+                  <a:schemeClr val="bg1">
+                    <a:lumMod val="95000"/>
+                  </a:schemeClr>
+                </a:solidFill>
+              </a:rPr>
+              <a:t> admin’.</a:t>
+            </a:r>
+          </a:p>
+        </p:txBody>
+      </p:sp>
+    </p:spTree>
+    <p:extLst>
+      <p:ext uri="{BB962C8B-B14F-4D97-AF65-F5344CB8AC3E}">
+        <p14:creationId xmlns:p14="http://schemas.microsoft.com/office/powerpoint/2010/main" val="2692387228"/>
+      </p:ext>
+    </p:extLst>
+  </p:cSld>
+  <p:clrMapOvr>
+    <a:masterClrMapping/>
+  </p:clrMapOvr>
+  <p:timing>
+    <p:tnLst>
+      <p:par>
+        <p:cTn id="1" dur="indefinite" restart="never" nodeType="tmRoot"/>
+      </p:par>
+    </p:tnLst>
+  </p:timing>
+</p:sld>
+</file>
+
 <file path=ppt/slides/slide8.xml><?xml version="1.0" encoding="utf-8"?>
 <p:sld xmlns:a="http://schemas.openxmlformats.org/drawingml/2006/main" xmlns:r="http://schemas.openxmlformats.org/officeDocument/2006/relationships" xmlns:p="http://schemas.openxmlformats.org/presentationml/2006/main">
   <p:cSld>
@@ -4741,12 +4843,14 @@
         </p:nvSpPr>
         <p:spPr>
           <a:xfrm>
-            <a:off x="838200" y="685800"/>
-            <a:ext cx="8229600" cy="1143000"/>
+            <a:off x="838200" y="1676400"/>
+            <a:ext cx="8229600" cy="152400"/>
           </a:xfrm>
         </p:spPr>
         <p:txBody>
-          <a:bodyPr/>
+          <a:bodyPr>
+            <a:normAutofit fontScale="90000"/>
+          </a:bodyPr>
           <a:lstStyle/>
           <a:p>
             <a:pPr algn="l"/>
@@ -4756,7 +4860,7 @@
                   <a:schemeClr val="accent6"/>
                 </a:solidFill>
               </a:rPr>
-              <a:t>Basic shell commands</a:t>
+              <a:t>Environment variables =&gt; set of dynamic named values that can affect how processes will behave on a computer.</a:t>
             </a:r>
             <a:endParaRPr lang="bg-BG" dirty="0">
               <a:solidFill>
@@ -4784,7 +4888,7 @@
         </p:spPr>
         <p:txBody>
           <a:bodyPr>
-            <a:normAutofit fontScale="70000" lnSpcReduction="20000"/>
+            <a:normAutofit fontScale="92500" lnSpcReduction="20000"/>
           </a:bodyPr>
           <a:lstStyle/>
           <a:p>
@@ -4792,58 +4896,39 @@
               <a:buFont typeface="Wingdings" panose="05000000000000000000" pitchFamily="2" charset="2"/>
               <a:buChar char="§"/>
             </a:pPr>
-            <a:r>
-              <a:rPr lang="en-US" dirty="0" err="1" smtClean="0">
-                <a:solidFill>
-                  <a:schemeClr val="bg1">
-                    <a:lumMod val="95000"/>
-                  </a:schemeClr>
-                </a:solidFill>
-              </a:rPr>
-              <a:t>pwd</a:t>
-            </a:r>
-            <a:r>
-              <a:rPr lang="en-US" dirty="0" smtClean="0">
-                <a:solidFill>
-                  <a:schemeClr val="bg1">
-                    <a:lumMod val="95000"/>
-                  </a:schemeClr>
-                </a:solidFill>
-              </a:rPr>
-              <a:t> =&gt; print working directory;</a:t>
-            </a:r>
+            <a:endParaRPr lang="en-US" dirty="0">
+              <a:solidFill>
+                <a:schemeClr val="bg1">
+                  <a:lumMod val="95000"/>
+                </a:schemeClr>
+              </a:solidFill>
+            </a:endParaRPr>
           </a:p>
           <a:p>
             <a:pPr>
               <a:buFont typeface="Wingdings" panose="05000000000000000000" pitchFamily="2" charset="2"/>
               <a:buChar char="§"/>
             </a:pPr>
-            <a:r>
-              <a:rPr lang="en-US" dirty="0" smtClean="0">
-                <a:solidFill>
-                  <a:schemeClr val="bg1">
-                    <a:lumMod val="95000"/>
-                  </a:schemeClr>
-                </a:solidFill>
-              </a:rPr>
-              <a:t>ls =&gt; list the content of a directory;</a:t>
-            </a:r>
+            <a:endParaRPr lang="en-US" dirty="0">
+              <a:solidFill>
+                <a:schemeClr val="bg1">
+                  <a:lumMod val="95000"/>
+                </a:schemeClr>
+              </a:solidFill>
+            </a:endParaRPr>
           </a:p>
           <a:p>
             <a:pPr>
               <a:buFont typeface="Wingdings" panose="05000000000000000000" pitchFamily="2" charset="2"/>
               <a:buChar char="§"/>
             </a:pPr>
-            <a:r>
-              <a:rPr lang="en-US" dirty="0" smtClean="0">
-                <a:solidFill>
-                  <a:schemeClr val="bg1">
-                    <a:lumMod val="95000"/>
-                  </a:schemeClr>
-                </a:solidFill>
-              </a:rPr>
-              <a:t>cat =&gt; print the content of a file;</a:t>
-            </a:r>
+            <a:endParaRPr lang="en-US" dirty="0">
+              <a:solidFill>
+                <a:schemeClr val="bg1">
+                  <a:lumMod val="95000"/>
+                </a:schemeClr>
+              </a:solidFill>
+            </a:endParaRPr>
           </a:p>
           <a:p>
             <a:pPr>
@@ -4851,14 +4936,24 @@
               <a:buChar char="§"/>
             </a:pPr>
             <a:r>
-              <a:rPr lang="en-US" dirty="0" smtClean="0">
+              <a:rPr lang="en-US" dirty="0" err="1" smtClean="0">
                 <a:solidFill>
                   <a:schemeClr val="bg1">
                     <a:lumMod val="95000"/>
                   </a:schemeClr>
                 </a:solidFill>
               </a:rPr>
-              <a:t>touch =&gt; create new file;</a:t>
+              <a:t>env</a:t>
+            </a:r>
+            <a:r>
+              <a:rPr lang="en-US" dirty="0" smtClean="0">
+                <a:solidFill>
+                  <a:schemeClr val="bg1">
+                    <a:lumMod val="95000"/>
+                  </a:schemeClr>
+                </a:solidFill>
+              </a:rPr>
+              <a:t> =&gt; show all of them in the current shell;</a:t>
             </a:r>
           </a:p>
           <a:p>
@@ -4874,7 +4969,75 @@
                   </a:schemeClr>
                 </a:solidFill>
               </a:rPr>
-              <a:t>cd =&gt; change directory;</a:t>
+              <a:t>Echo $ENVIRONMENT_VARIABLE_NAME</a:t>
+            </a:r>
+          </a:p>
+          <a:p>
+            <a:pPr marL="0" indent="0">
+              <a:buNone/>
+            </a:pPr>
+            <a:r>
+              <a:rPr lang="en-US" dirty="0" err="1" smtClean="0">
+                <a:solidFill>
+                  <a:schemeClr val="bg1">
+                    <a:lumMod val="95000"/>
+                  </a:schemeClr>
+                </a:solidFill>
+              </a:rPr>
+              <a:t>Eg</a:t>
+            </a:r>
+            <a:r>
+              <a:rPr lang="en-US" dirty="0" smtClean="0">
+                <a:solidFill>
+                  <a:schemeClr val="bg1">
+                    <a:lumMod val="95000"/>
+                  </a:schemeClr>
+                </a:solidFill>
+              </a:rPr>
+              <a:t> =&gt; echo $PWD; echo $HOME</a:t>
+            </a:r>
+          </a:p>
+          <a:p>
+            <a:pPr marL="0" indent="0">
+              <a:buNone/>
+            </a:pPr>
+            <a:r>
+              <a:rPr lang="en-US" dirty="0" smtClean="0">
+                <a:solidFill>
+                  <a:srgbClr val="FF0000"/>
+                </a:solidFill>
+              </a:rPr>
+              <a:t>Exercises:</a:t>
+            </a:r>
+          </a:p>
+          <a:p>
+            <a:pPr marL="514350" indent="-514350">
+              <a:buAutoNum type="arabicPeriod"/>
+            </a:pPr>
+            <a:r>
+              <a:rPr lang="en-US" dirty="0" smtClean="0">
+                <a:solidFill>
+                  <a:schemeClr val="bg1">
+                    <a:lumMod val="95000"/>
+                  </a:schemeClr>
+                </a:solidFill>
+              </a:rPr>
+              <a:t>Print your PATH environment variable</a:t>
+            </a:r>
+          </a:p>
+          <a:p>
+            <a:pPr marL="514350" indent="-514350">
+              <a:buAutoNum type="arabicPeriod"/>
+            </a:pPr>
+            <a:r>
+              <a:rPr lang="en-US" dirty="0" smtClean="0">
+                <a:solidFill>
+                  <a:schemeClr val="bg1">
+                    <a:lumMod val="95000"/>
+                  </a:schemeClr>
+                </a:solidFill>
+              </a:rPr>
+              <a:t>Try to explain what do you think is its meaning, google search if necessary.</a:t>
             </a:r>
           </a:p>
           <a:p>
@@ -4882,171 +5045,20 @@
               <a:buFont typeface="Wingdings" panose="05000000000000000000" pitchFamily="2" charset="2"/>
               <a:buChar char="§"/>
             </a:pPr>
-            <a:r>
-              <a:rPr lang="en-US" dirty="0" smtClean="0">
-                <a:solidFill>
-                  <a:schemeClr val="bg1">
-                    <a:lumMod val="95000"/>
-                  </a:schemeClr>
-                </a:solidFill>
-              </a:rPr>
-              <a:t>echo =&gt; display some content ;</a:t>
-            </a:r>
-          </a:p>
-          <a:p>
-            <a:pPr marL="0" indent="0">
-              <a:buNone/>
-            </a:pPr>
-            <a:r>
-              <a:rPr lang="en-US" dirty="0" smtClean="0">
-                <a:solidFill>
-                  <a:srgbClr val="FF0000"/>
-                </a:solidFill>
-              </a:rPr>
-              <a:t>Exercises:</a:t>
-            </a:r>
             <a:endParaRPr lang="en-US" dirty="0">
               <a:solidFill>
-                <a:srgbClr val="FF0000"/>
+                <a:schemeClr val="bg1">
+                  <a:lumMod val="95000"/>
+                </a:schemeClr>
               </a:solidFill>
             </a:endParaRPr>
-          </a:p>
-          <a:p>
-            <a:pPr marL="514350" indent="-514350">
-              <a:buAutoNum type="arabicPeriod"/>
-            </a:pPr>
-            <a:r>
-              <a:rPr lang="en-US" dirty="0" smtClean="0">
-                <a:solidFill>
-                  <a:schemeClr val="bg1">
-                    <a:lumMod val="95000"/>
-                  </a:schemeClr>
-                </a:solidFill>
-              </a:rPr>
-              <a:t>Print your current working directory.</a:t>
-            </a:r>
-          </a:p>
-          <a:p>
-            <a:pPr marL="514350" indent="-514350">
-              <a:buAutoNum type="arabicPeriod"/>
-            </a:pPr>
-            <a:r>
-              <a:rPr lang="en-US" dirty="0" smtClean="0">
-                <a:solidFill>
-                  <a:schemeClr val="bg1">
-                    <a:lumMod val="95000"/>
-                  </a:schemeClr>
-                </a:solidFill>
-              </a:rPr>
-              <a:t>Go to the root directory.</a:t>
-            </a:r>
-          </a:p>
-          <a:p>
-            <a:pPr marL="514350" indent="-514350">
-              <a:buAutoNum type="arabicPeriod"/>
-            </a:pPr>
-            <a:r>
-              <a:rPr lang="en-US" dirty="0" smtClean="0">
-                <a:solidFill>
-                  <a:schemeClr val="bg1">
-                    <a:lumMod val="95000"/>
-                  </a:schemeClr>
-                </a:solidFill>
-              </a:rPr>
-              <a:t>Create a file there.</a:t>
-            </a:r>
-          </a:p>
-          <a:p>
-            <a:pPr marL="514350" indent="-514350">
-              <a:buAutoNum type="arabicPeriod"/>
-            </a:pPr>
-            <a:r>
-              <a:rPr lang="en-US" dirty="0" smtClean="0">
-                <a:solidFill>
-                  <a:schemeClr val="bg1">
-                    <a:lumMod val="95000"/>
-                  </a:schemeClr>
-                </a:solidFill>
-              </a:rPr>
-              <a:t>Print it’s content.</a:t>
-            </a:r>
-          </a:p>
-          <a:p>
-            <a:pPr marL="514350" indent="-514350">
-              <a:buAutoNum type="arabicPeriod"/>
-            </a:pPr>
-            <a:r>
-              <a:rPr lang="en-US" dirty="0" smtClean="0">
-                <a:solidFill>
-                  <a:schemeClr val="bg1">
-                    <a:lumMod val="95000"/>
-                  </a:schemeClr>
-                </a:solidFill>
-              </a:rPr>
-              <a:t>List the content of the root directory.</a:t>
-            </a:r>
-          </a:p>
-          <a:p>
-            <a:pPr marL="514350" indent="-514350">
-              <a:buAutoNum type="arabicPeriod"/>
-            </a:pPr>
-            <a:r>
-              <a:rPr lang="en-US" dirty="0" smtClean="0">
-                <a:solidFill>
-                  <a:schemeClr val="bg1">
-                    <a:lumMod val="95000"/>
-                  </a:schemeClr>
-                </a:solidFill>
-              </a:rPr>
-              <a:t>Display the string ‘I am </a:t>
-            </a:r>
-            <a:r>
-              <a:rPr lang="en-US" dirty="0" err="1" smtClean="0">
-                <a:solidFill>
-                  <a:schemeClr val="bg1">
-                    <a:lumMod val="95000"/>
-                  </a:schemeClr>
-                </a:solidFill>
-              </a:rPr>
-              <a:t>gonna</a:t>
-            </a:r>
-            <a:r>
-              <a:rPr lang="en-US" dirty="0" smtClean="0">
-                <a:solidFill>
-                  <a:schemeClr val="bg1">
-                    <a:lumMod val="95000"/>
-                  </a:schemeClr>
-                </a:solidFill>
-              </a:rPr>
-              <a:t> become a solid </a:t>
-            </a:r>
-            <a:r>
-              <a:rPr lang="en-US" dirty="0" err="1" smtClean="0">
-                <a:solidFill>
-                  <a:schemeClr val="bg1">
-                    <a:lumMod val="95000"/>
-                  </a:schemeClr>
-                </a:solidFill>
-              </a:rPr>
-              <a:t>linux</a:t>
-            </a:r>
-            <a:r>
-              <a:rPr lang="en-US" dirty="0" smtClean="0">
-                <a:solidFill>
-                  <a:schemeClr val="bg1">
-                    <a:lumMod val="95000"/>
-                  </a:schemeClr>
-                </a:solidFill>
-              </a:rPr>
-              <a:t> admin’.</a:t>
-            </a:r>
           </a:p>
         </p:txBody>
       </p:sp>
     </p:spTree>
     <p:extLst>
       <p:ext uri="{BB962C8B-B14F-4D97-AF65-F5344CB8AC3E}">
-        <p14:creationId xmlns:p14="http://schemas.microsoft.com/office/powerpoint/2010/main" val="2692387228"/>
+        <p14:creationId xmlns:p14="http://schemas.microsoft.com/office/powerpoint/2010/main" val="1244033896"/>
       </p:ext>
     </p:extLst>
   </p:cSld>
@@ -5092,8 +5104,8 @@
         </p:nvSpPr>
         <p:spPr>
           <a:xfrm>
-            <a:off x="838200" y="1676400"/>
-            <a:ext cx="8229600" cy="152400"/>
+            <a:off x="762000" y="706437"/>
+            <a:ext cx="8229600" cy="1143000"/>
           </a:xfrm>
         </p:spPr>
         <p:txBody>
@@ -5109,7 +5121,7 @@
                   <a:schemeClr val="accent6"/>
                 </a:solidFill>
               </a:rPr>
-              <a:t>Environment variables =&gt; set of dynamic named values that can affect how processes will behave on a computer.</a:t>
+              <a:t>VIM =&gt; command line universal text editor for Linux/Unix hosts.</a:t>
             </a:r>
             <a:endParaRPr lang="bg-BG" dirty="0">
               <a:solidFill>
@@ -5132,18 +5144,27 @@
         <p:spPr>
           <a:xfrm>
             <a:off x="762000" y="1676400"/>
-            <a:ext cx="7620000" cy="4525963"/>
+            <a:ext cx="6400800" cy="4525963"/>
           </a:xfrm>
         </p:spPr>
         <p:txBody>
-          <a:bodyPr>
-            <a:normAutofit fontScale="92500" lnSpcReduction="20000"/>
-          </a:bodyPr>
-          <a:lstStyle/>
-          <a:p>
-            <a:pPr>
-              <a:buFont typeface="Wingdings" panose="05000000000000000000" pitchFamily="2" charset="2"/>
-              <a:buChar char="§"/>
+          <a:bodyPr/>
+          <a:lstStyle/>
+          <a:p>
+            <a:pPr marL="0" indent="0">
+              <a:buNone/>
+            </a:pPr>
+            <a:endParaRPr lang="en-US" dirty="0" smtClean="0">
+              <a:solidFill>
+                <a:schemeClr val="bg1">
+                  <a:lumMod val="95000"/>
+                </a:schemeClr>
+              </a:solidFill>
+            </a:endParaRPr>
+          </a:p>
+          <a:p>
+            <a:pPr marL="0" indent="0">
+              <a:buNone/>
             </a:pPr>
             <a:endParaRPr lang="en-US" dirty="0">
               <a:solidFill>
@@ -5154,9 +5175,20 @@
             </a:endParaRPr>
           </a:p>
           <a:p>
-            <a:pPr>
-              <a:buFont typeface="Wingdings" panose="05000000000000000000" pitchFamily="2" charset="2"/>
-              <a:buChar char="§"/>
+            <a:pPr marL="0" indent="0">
+              <a:buNone/>
+            </a:pPr>
+            <a:endParaRPr lang="en-US" dirty="0" smtClean="0">
+              <a:solidFill>
+                <a:schemeClr val="bg1">
+                  <a:lumMod val="95000"/>
+                </a:schemeClr>
+              </a:solidFill>
+            </a:endParaRPr>
+          </a:p>
+          <a:p>
+            <a:pPr marL="0" indent="0">
+              <a:buNone/>
             </a:pPr>
             <a:endParaRPr lang="en-US" dirty="0">
               <a:solidFill>
@@ -5167,11 +5199,10 @@
             </a:endParaRPr>
           </a:p>
           <a:p>
-            <a:pPr>
-              <a:buFont typeface="Wingdings" panose="05000000000000000000" pitchFamily="2" charset="2"/>
-              <a:buChar char="§"/>
+            <a:pPr marL="0" indent="0">
+              <a:buNone/>
             </a:pPr>
-            <a:endParaRPr lang="en-US" dirty="0">
+            <a:endParaRPr lang="en-US" dirty="0" smtClean="0">
               <a:solidFill>
                 <a:schemeClr val="bg1">
                   <a:lumMod val="95000"/>
@@ -5180,36 +5211,42 @@
             </a:endParaRPr>
           </a:p>
           <a:p>
-            <a:pPr>
-              <a:buFont typeface="Wingdings" panose="05000000000000000000" pitchFamily="2" charset="2"/>
-              <a:buChar char="§"/>
+            <a:pPr marL="514350" indent="-514350">
+              <a:buAutoNum type="arabicPeriod"/>
             </a:pPr>
             <a:r>
-              <a:rPr lang="en-US" dirty="0" err="1" smtClean="0">
+              <a:rPr lang="en-US" dirty="0" smtClean="0">
+                <a:solidFill>
+                  <a:srgbClr val="FF0000"/>
+                </a:solidFill>
+              </a:rPr>
+              <a:t>Exercises/Homework:</a:t>
+            </a:r>
+          </a:p>
+          <a:p>
+            <a:pPr marL="0" indent="0">
+              <a:buNone/>
+            </a:pPr>
+            <a:r>
+              <a:rPr lang="en-US" dirty="0" smtClean="0">
                 <a:solidFill>
                   <a:schemeClr val="bg1">
                     <a:lumMod val="95000"/>
                   </a:schemeClr>
                 </a:solidFill>
               </a:rPr>
-              <a:t>env</a:t>
-            </a:r>
-            <a:r>
-              <a:rPr lang="en-US" dirty="0" smtClean="0">
+              <a:t>Start and finish the ‘</a:t>
+            </a:r>
+            <a:r>
+              <a:rPr lang="en-US" dirty="0" err="1" smtClean="0">
                 <a:solidFill>
                   <a:schemeClr val="bg1">
                     <a:lumMod val="95000"/>
                   </a:schemeClr>
                 </a:solidFill>
               </a:rPr>
-              <a:t> =&gt; show all of them in the current shell;</a:t>
-            </a:r>
-          </a:p>
-          <a:p>
-            <a:pPr>
-              <a:buFont typeface="Wingdings" panose="05000000000000000000" pitchFamily="2" charset="2"/>
-              <a:buChar char="§"/>
-            </a:pPr>
+              <a:t>vimtutor</a:t>
+            </a:r>
             <a:r>
               <a:rPr lang="en-US" dirty="0" smtClean="0">
                 <a:solidFill>
@@ -5218,83 +5255,9 @@
                   </a:schemeClr>
                 </a:solidFill>
               </a:rPr>
-              <a:t>Echo $ENVIRONMENT_VARIABLE_NAME</a:t>
-            </a:r>
-          </a:p>
-          <a:p>
-            <a:pPr marL="0" indent="0">
-              <a:buNone/>
-            </a:pPr>
-            <a:r>
-              <a:rPr lang="en-US" dirty="0" err="1" smtClean="0">
-                <a:solidFill>
-                  <a:schemeClr val="bg1">
-                    <a:lumMod val="95000"/>
-                  </a:schemeClr>
-                </a:solidFill>
-              </a:rPr>
-              <a:t>Eg</a:t>
-            </a:r>
-            <a:r>
-              <a:rPr lang="en-US" dirty="0" smtClean="0">
-                <a:solidFill>
-                  <a:schemeClr val="bg1">
-                    <a:lumMod val="95000"/>
-                  </a:schemeClr>
-                </a:solidFill>
-              </a:rPr>
-              <a:t> =&gt; echo $PWD; echo $HOME</a:t>
-            </a:r>
-          </a:p>
-          <a:p>
-            <a:pPr marL="0" indent="0">
-              <a:buNone/>
-            </a:pPr>
-            <a:r>
-              <a:rPr lang="en-US" dirty="0" smtClean="0">
-                <a:solidFill>
-                  <a:srgbClr val="FF0000"/>
-                </a:solidFill>
-              </a:rPr>
-              <a:t>Exercises:</a:t>
-            </a:r>
-          </a:p>
-          <a:p>
-            <a:pPr marL="514350" indent="-514350">
-              <a:buAutoNum type="arabicPeriod"/>
-            </a:pPr>
-            <a:r>
-              <a:rPr lang="en-US" dirty="0" smtClean="0">
-                <a:solidFill>
-                  <a:schemeClr val="bg1">
-                    <a:lumMod val="95000"/>
-                  </a:schemeClr>
-                </a:solidFill>
-              </a:rPr>
-              <a:t>Print your PATH environment variable</a:t>
-            </a:r>
-          </a:p>
-          <a:p>
-            <a:pPr marL="514350" indent="-514350">
-              <a:buAutoNum type="arabicPeriod"/>
-            </a:pPr>
-            <a:r>
-              <a:rPr lang="en-US" dirty="0" smtClean="0">
-                <a:solidFill>
-                  <a:schemeClr val="bg1">
-                    <a:lumMod val="95000"/>
-                  </a:schemeClr>
-                </a:solidFill>
-              </a:rPr>
-              <a:t>Try to explain what do you think is its meaning, google search if necessary.</a:t>
-            </a:r>
-          </a:p>
-          <a:p>
-            <a:pPr>
-              <a:buFont typeface="Wingdings" panose="05000000000000000000" pitchFamily="2" charset="2"/>
-              <a:buChar char="§"/>
-            </a:pPr>
-            <a:endParaRPr lang="en-US" dirty="0">
+              <a:t>’</a:t>
+            </a:r>
+            <a:endParaRPr lang="bg-BG" dirty="0">
               <a:solidFill>
                 <a:schemeClr val="bg1">
                   <a:lumMod val="95000"/>
@@ -5304,10 +5267,40 @@
           </a:p>
         </p:txBody>
       </p:sp>
+      <p:pic>
+        <p:nvPicPr>
+          <p:cNvPr id="4" name="Picture 3"/>
+          <p:cNvPicPr>
+            <a:picLocks noChangeAspect="1"/>
+          </p:cNvPicPr>
+          <p:nvPr/>
+        </p:nvPicPr>
+        <p:blipFill>
+          <a:blip r:embed="rId2" cstate="print">
+            <a:extLst>
+              <a:ext uri="{28A0092B-C50C-407E-A947-70E740481C1C}">
+                <a14:useLocalDpi xmlns:a14="http://schemas.microsoft.com/office/drawing/2010/main" val="0"/>
+              </a:ext>
+            </a:extLst>
+          </a:blip>
+          <a:stretch>
+            <a:fillRect/>
+          </a:stretch>
+        </p:blipFill>
+        <p:spPr>
+          <a:xfrm>
+            <a:off x="685800" y="1849437"/>
+            <a:ext cx="2286000" cy="2286000"/>
+          </a:xfrm>
+          <a:prstGeom prst="rect">
+            <a:avLst/>
+          </a:prstGeom>
+        </p:spPr>
+      </p:pic>
     </p:spTree>
     <p:extLst>
       <p:ext uri="{BB962C8B-B14F-4D97-AF65-F5344CB8AC3E}">
-        <p14:creationId xmlns:p14="http://schemas.microsoft.com/office/powerpoint/2010/main" val="1244033896"/>
+        <p14:creationId xmlns:p14="http://schemas.microsoft.com/office/powerpoint/2010/main" val="2910363039"/>
       </p:ext>
     </p:extLst>
   </p:cSld>
@@ -5607,4 +5600,265 @@
   <a:objectDefaults/>
   <a:extraClrSchemeLst/>
 </a:theme>
+</file>
+
+<file path=ppt/theme/theme2.xml><?xml version="1.0" encoding="utf-8"?>
+<a:theme xmlns:a="http://schemas.openxmlformats.org/drawingml/2006/main" name="Office Theme">
+  <a:themeElements>
+    <a:clrScheme name="Office">
+      <a:dk1>
+        <a:sysClr val="windowText" lastClr="000000"/>
+      </a:dk1>
+      <a:lt1>
+        <a:sysClr val="window" lastClr="FFFFFF"/>
+      </a:lt1>
+      <a:dk2>
+        <a:srgbClr val="44546A"/>
+      </a:dk2>
+      <a:lt2>
+        <a:srgbClr val="E7E6E6"/>
+      </a:lt2>
+      <a:accent1>
+        <a:srgbClr val="4472C4"/>
+      </a:accent1>
+      <a:accent2>
+        <a:srgbClr val="ED7D31"/>
+      </a:accent2>
+      <a:accent3>
+        <a:srgbClr val="A5A5A5"/>
+      </a:accent3>
+      <a:accent4>
+        <a:srgbClr val="FFC000"/>
+      </a:accent4>
+      <a:accent5>
+        <a:srgbClr val="5B9BD5"/>
+      </a:accent5>
+      <a:accent6>
+        <a:srgbClr val="70AD47"/>
+      </a:accent6>
+      <a:hlink>
+        <a:srgbClr val="0563C1"/>
+      </a:hlink>
+      <a:folHlink>
+        <a:srgbClr val="954F72"/>
+      </a:folHlink>
+    </a:clrScheme>
+    <a:fontScheme name="Office">
+      <a:majorFont>
+        <a:latin typeface="Calibri Light" panose="020F0302020204030204"/>
+        <a:ea typeface=""/>
+        <a:cs typeface=""/>
+        <a:font script="Jpan" typeface="Yu Gothic Light"/>
+        <a:font script="Hang" typeface="맑은 고딕"/>
+        <a:font script="Hans" typeface="DengXian Light"/>
+        <a:font script="Hant" typeface="新細明體"/>
+        <a:font script="Arab" typeface="Times New Roman"/>
+        <a:font script="Hebr" typeface="Times New Roman"/>
+        <a:font script="Thai" typeface="Angsana New"/>
+        <a:font script="Ethi" typeface="Nyala"/>
+        <a:font script="Beng" typeface="Vrinda"/>
+        <a:font script="Gujr" typeface="Shruti"/>
+        <a:font script="Khmr" typeface="MoolBoran"/>
+        <a:font script="Knda" typeface="Tunga"/>
+        <a:font script="Guru" typeface="Raavi"/>
+        <a:font script="Cans" typeface="Euphemia"/>
+        <a:font script="Cher" typeface="Plantagenet Cherokee"/>
+        <a:font script="Yiii" typeface="Microsoft Yi Baiti"/>
+        <a:font script="Tibt" typeface="Microsoft Himalaya"/>
+        <a:font script="Thaa" typeface="MV Boli"/>
+        <a:font script="Deva" typeface="Mangal"/>
+        <a:font script="Telu" typeface="Gautami"/>
+        <a:font script="Taml" typeface="Latha"/>
+        <a:font script="Syrc" typeface="Estrangelo Edessa"/>
+        <a:font script="Orya" typeface="Kalinga"/>
+        <a:font script="Mlym" typeface="Kartika"/>
+        <a:font script="Laoo" typeface="DokChampa"/>
+        <a:font script="Sinh" typeface="Iskoola Pota"/>
+        <a:font script="Mong" typeface="Mongolian Baiti"/>
+        <a:font script="Viet" typeface="Times New Roman"/>
+        <a:font script="Uigh" typeface="Microsoft Uighur"/>
+        <a:font script="Geor" typeface="Sylfaen"/>
+      </a:majorFont>
+      <a:minorFont>
+        <a:latin typeface="Calibri" panose="020F0502020204030204"/>
+        <a:ea typeface=""/>
+        <a:cs typeface=""/>
+        <a:font script="Jpan" typeface="Yu Gothic"/>
+        <a:font script="Hang" typeface="맑은 고딕"/>
+        <a:font script="Hans" typeface="DengXian"/>
+        <a:font script="Hant" typeface="新細明體"/>
+        <a:font script="Arab" typeface="Arial"/>
+        <a:font script="Hebr" typeface="Arial"/>
+        <a:font script="Thai" typeface="Cordia New"/>
+        <a:font script="Ethi" typeface="Nyala"/>
+        <a:font script="Beng" typeface="Vrinda"/>
+        <a:font script="Gujr" typeface="Shruti"/>
+        <a:font script="Khmr" typeface="DaunPenh"/>
+        <a:font script="Knda" typeface="Tunga"/>
+        <a:font script="Guru" typeface="Raavi"/>
+        <a:font script="Cans" typeface="Euphemia"/>
+        <a:font script="Cher" typeface="Plantagenet Cherokee"/>
+        <a:font script="Yiii" typeface="Microsoft Yi Baiti"/>
+        <a:font script="Tibt" typeface="Microsoft Himalaya"/>
+        <a:font script="Thaa" typeface="MV Boli"/>
+        <a:font script="Deva" typeface="Mangal"/>
+        <a:font script="Telu" typeface="Gautami"/>
+        <a:font script="Taml" typeface="Latha"/>
+        <a:font script="Syrc" typeface="Estrangelo Edessa"/>
+        <a:font script="Orya" typeface="Kalinga"/>
+        <a:font script="Mlym" typeface="Kartika"/>
+        <a:font script="Laoo" typeface="DokChampa"/>
+        <a:font script="Sinh" typeface="Iskoola Pota"/>
+        <a:font script="Mong" typeface="Mongolian Baiti"/>
+        <a:font script="Viet" typeface="Arial"/>
+        <a:font script="Uigh" typeface="Microsoft Uighur"/>
+        <a:font script="Geor" typeface="Sylfaen"/>
+      </a:minorFont>
+    </a:fontScheme>
+    <a:fmtScheme name="Office">
+      <a:fillStyleLst>
+        <a:solidFill>
+          <a:schemeClr val="phClr"/>
+        </a:solidFill>
+        <a:gradFill rotWithShape="1">
+          <a:gsLst>
+            <a:gs pos="0">
+              <a:schemeClr val="phClr">
+                <a:lumMod val="110000"/>
+                <a:satMod val="105000"/>
+                <a:tint val="67000"/>
+              </a:schemeClr>
+            </a:gs>
+            <a:gs pos="50000">
+              <a:schemeClr val="phClr">
+                <a:lumMod val="105000"/>
+                <a:satMod val="103000"/>
+                <a:tint val="73000"/>
+              </a:schemeClr>
+            </a:gs>
+            <a:gs pos="100000">
+              <a:schemeClr val="phClr">
+                <a:lumMod val="105000"/>
+                <a:satMod val="109000"/>
+                <a:tint val="81000"/>
+              </a:schemeClr>
+            </a:gs>
+          </a:gsLst>
+          <a:lin ang="5400000" scaled="0"/>
+        </a:gradFill>
+        <a:gradFill rotWithShape="1">
+          <a:gsLst>
+            <a:gs pos="0">
+              <a:schemeClr val="phClr">
+                <a:satMod val="103000"/>
+                <a:lumMod val="102000"/>
+                <a:tint val="94000"/>
+              </a:schemeClr>
+            </a:gs>
+            <a:gs pos="50000">
+              <a:schemeClr val="phClr">
+                <a:satMod val="110000"/>
+                <a:lumMod val="100000"/>
+                <a:shade val="100000"/>
+              </a:schemeClr>
+            </a:gs>
+            <a:gs pos="100000">
+              <a:schemeClr val="phClr">
+                <a:lumMod val="99000"/>
+                <a:satMod val="120000"/>
+                <a:shade val="78000"/>
+              </a:schemeClr>
+            </a:gs>
+          </a:gsLst>
+          <a:lin ang="5400000" scaled="0"/>
+        </a:gradFill>
+      </a:fillStyleLst>
+      <a:lnStyleLst>
+        <a:ln w="6350" cap="flat" cmpd="sng" algn="ctr">
+          <a:solidFill>
+            <a:schemeClr val="phClr"/>
+          </a:solidFill>
+          <a:prstDash val="solid"/>
+          <a:miter lim="800000"/>
+        </a:ln>
+        <a:ln w="12700" cap="flat" cmpd="sng" algn="ctr">
+          <a:solidFill>
+            <a:schemeClr val="phClr"/>
+          </a:solidFill>
+          <a:prstDash val="solid"/>
+          <a:miter lim="800000"/>
+        </a:ln>
+        <a:ln w="19050" cap="flat" cmpd="sng" algn="ctr">
+          <a:solidFill>
+            <a:schemeClr val="phClr"/>
+          </a:solidFill>
+          <a:prstDash val="solid"/>
+          <a:miter lim="800000"/>
+        </a:ln>
+      </a:lnStyleLst>
+      <a:effectStyleLst>
+        <a:effectStyle>
+          <a:effectLst/>
+        </a:effectStyle>
+        <a:effectStyle>
+          <a:effectLst/>
+        </a:effectStyle>
+        <a:effectStyle>
+          <a:effectLst>
+            <a:outerShdw blurRad="57150" dist="19050" dir="5400000" algn="ctr" rotWithShape="0">
+              <a:srgbClr val="000000">
+                <a:alpha val="63000"/>
+              </a:srgbClr>
+            </a:outerShdw>
+          </a:effectLst>
+        </a:effectStyle>
+      </a:effectStyleLst>
+      <a:bgFillStyleLst>
+        <a:solidFill>
+          <a:schemeClr val="phClr"/>
+        </a:solidFill>
+        <a:solidFill>
+          <a:schemeClr val="phClr">
+            <a:tint val="95000"/>
+            <a:satMod val="170000"/>
+          </a:schemeClr>
+        </a:solidFill>
+        <a:gradFill rotWithShape="1">
+          <a:gsLst>
+            <a:gs pos="0">
+              <a:schemeClr val="phClr">
+                <a:tint val="93000"/>
+                <a:satMod val="150000"/>
+                <a:shade val="98000"/>
+                <a:lumMod val="102000"/>
+              </a:schemeClr>
+            </a:gs>
+            <a:gs pos="50000">
+              <a:schemeClr val="phClr">
+                <a:tint val="98000"/>
+                <a:satMod val="130000"/>
+                <a:shade val="90000"/>
+                <a:lumMod val="103000"/>
+              </a:schemeClr>
+            </a:gs>
+            <a:gs pos="100000">
+              <a:schemeClr val="phClr">
+                <a:shade val="63000"/>
+                <a:satMod val="120000"/>
+              </a:schemeClr>
+            </a:gs>
+          </a:gsLst>
+          <a:lin ang="5400000" scaled="0"/>
+        </a:gradFill>
+      </a:bgFillStyleLst>
+    </a:fmtScheme>
+  </a:themeElements>
+  <a:objectDefaults/>
+  <a:extraClrSchemeLst/>
+  <a:extLst>
+    <a:ext uri="{05A4C25C-085E-4340-85A3-A5531E510DB2}">
+      <thm15:themeFamily xmlns:thm15="http://schemas.microsoft.com/office/thememl/2012/main" name="Office Theme" id="{62F939B6-93AF-4DB8-9C6B-D6C7DFDC589F}" vid="{4A3C46E8-61CC-4603-A589-7422A47A8E4A}"/>
+    </a:ext>
+  </a:extLst>
+</a:theme>
 </file>